--- a/파이썬기초(PPT)/NEW_2021버전/파이썬 기초 5강_입력과 형변환.pptx
+++ b/파이썬기초(PPT)/NEW_2021버전/파이썬 기초 5강_입력과 형변환.pptx
@@ -5,19 +5,23 @@
     <p:sldMasterId id="2147483648" r:id="rId1"/>
   </p:sldMasterIdLst>
   <p:handoutMasterIdLst>
-    <p:handoutMasterId r:id="rId12"/>
+    <p:handoutMasterId r:id="rId16"/>
   </p:handoutMasterIdLst>
   <p:sldIdLst>
     <p:sldId id="292" r:id="rId2"/>
     <p:sldId id="347" r:id="rId3"/>
-    <p:sldId id="332" r:id="rId4"/>
-    <p:sldId id="354" r:id="rId5"/>
-    <p:sldId id="331" r:id="rId6"/>
-    <p:sldId id="327" r:id="rId7"/>
-    <p:sldId id="349" r:id="rId8"/>
-    <p:sldId id="350" r:id="rId9"/>
-    <p:sldId id="355" r:id="rId10"/>
-    <p:sldId id="338" r:id="rId11"/>
+    <p:sldId id="357" r:id="rId4"/>
+    <p:sldId id="358" r:id="rId5"/>
+    <p:sldId id="356" r:id="rId6"/>
+    <p:sldId id="332" r:id="rId7"/>
+    <p:sldId id="354" r:id="rId8"/>
+    <p:sldId id="359" r:id="rId9"/>
+    <p:sldId id="331" r:id="rId10"/>
+    <p:sldId id="327" r:id="rId11"/>
+    <p:sldId id="349" r:id="rId12"/>
+    <p:sldId id="350" r:id="rId13"/>
+    <p:sldId id="355" r:id="rId14"/>
+    <p:sldId id="338" r:id="rId15"/>
   </p:sldIdLst>
   <p:sldSz cx="12192000" cy="6858000"/>
   <p:notesSz cx="10020300" cy="6888163"/>
@@ -465,7 +469,7 @@
           <a:p>
             <a:fld id="{FB30EDBD-1C2D-4C1E-B459-B60219FAB484}" type="datetimeFigureOut">
               <a:rPr lang="ko-KR" altLang="en-US" smtClean="0"/>
-              <a:t>2021-02-22</a:t>
+              <a:t>2021-03-03</a:t>
             </a:fld>
             <a:endParaRPr lang="ko-KR" altLang="en-US"/>
           </a:p>
@@ -628,7 +632,7 @@
           <a:p>
             <a:fld id="{FB30EDBD-1C2D-4C1E-B459-B60219FAB484}" type="datetimeFigureOut">
               <a:rPr lang="ko-KR" altLang="en-US" smtClean="0"/>
-              <a:t>2021-02-22</a:t>
+              <a:t>2021-03-03</a:t>
             </a:fld>
             <a:endParaRPr lang="ko-KR" altLang="en-US"/>
           </a:p>
@@ -801,7 +805,7 @@
           <a:p>
             <a:fld id="{FB30EDBD-1C2D-4C1E-B459-B60219FAB484}" type="datetimeFigureOut">
               <a:rPr lang="ko-KR" altLang="en-US" smtClean="0"/>
-              <a:t>2021-02-22</a:t>
+              <a:t>2021-03-03</a:t>
             </a:fld>
             <a:endParaRPr lang="ko-KR" altLang="en-US"/>
           </a:p>
@@ -964,7 +968,7 @@
           <a:p>
             <a:fld id="{FB30EDBD-1C2D-4C1E-B459-B60219FAB484}" type="datetimeFigureOut">
               <a:rPr lang="ko-KR" altLang="en-US" smtClean="0"/>
-              <a:t>2021-02-22</a:t>
+              <a:t>2021-03-03</a:t>
             </a:fld>
             <a:endParaRPr lang="ko-KR" altLang="en-US"/>
           </a:p>
@@ -1204,7 +1208,7 @@
           <a:p>
             <a:fld id="{FB30EDBD-1C2D-4C1E-B459-B60219FAB484}" type="datetimeFigureOut">
               <a:rPr lang="ko-KR" altLang="en-US" smtClean="0"/>
-              <a:t>2021-02-22</a:t>
+              <a:t>2021-03-03</a:t>
             </a:fld>
             <a:endParaRPr lang="ko-KR" altLang="en-US"/>
           </a:p>
@@ -1484,7 +1488,7 @@
           <a:p>
             <a:fld id="{FB30EDBD-1C2D-4C1E-B459-B60219FAB484}" type="datetimeFigureOut">
               <a:rPr lang="ko-KR" altLang="en-US" smtClean="0"/>
-              <a:t>2021-02-22</a:t>
+              <a:t>2021-03-03</a:t>
             </a:fld>
             <a:endParaRPr lang="ko-KR" altLang="en-US"/>
           </a:p>
@@ -1898,7 +1902,7 @@
           <a:p>
             <a:fld id="{FB30EDBD-1C2D-4C1E-B459-B60219FAB484}" type="datetimeFigureOut">
               <a:rPr lang="ko-KR" altLang="en-US" smtClean="0"/>
-              <a:t>2021-02-22</a:t>
+              <a:t>2021-03-03</a:t>
             </a:fld>
             <a:endParaRPr lang="ko-KR" altLang="en-US"/>
           </a:p>
@@ -2010,7 +2014,7 @@
           <a:p>
             <a:fld id="{FB30EDBD-1C2D-4C1E-B459-B60219FAB484}" type="datetimeFigureOut">
               <a:rPr lang="ko-KR" altLang="en-US" smtClean="0"/>
-              <a:t>2021-02-22</a:t>
+              <a:t>2021-03-03</a:t>
             </a:fld>
             <a:endParaRPr lang="ko-KR" altLang="en-US"/>
           </a:p>
@@ -2100,7 +2104,7 @@
           <a:p>
             <a:fld id="{FB30EDBD-1C2D-4C1E-B459-B60219FAB484}" type="datetimeFigureOut">
               <a:rPr lang="ko-KR" altLang="en-US" smtClean="0"/>
-              <a:t>2021-02-22</a:t>
+              <a:t>2021-03-03</a:t>
             </a:fld>
             <a:endParaRPr lang="ko-KR" altLang="en-US"/>
           </a:p>
@@ -2370,7 +2374,7 @@
           <a:p>
             <a:fld id="{FB30EDBD-1C2D-4C1E-B459-B60219FAB484}" type="datetimeFigureOut">
               <a:rPr lang="ko-KR" altLang="en-US" smtClean="0"/>
-              <a:t>2021-02-22</a:t>
+              <a:t>2021-03-03</a:t>
             </a:fld>
             <a:endParaRPr lang="ko-KR" altLang="en-US"/>
           </a:p>
@@ -2617,7 +2621,7 @@
           <a:p>
             <a:fld id="{FB30EDBD-1C2D-4C1E-B459-B60219FAB484}" type="datetimeFigureOut">
               <a:rPr lang="ko-KR" altLang="en-US" smtClean="0"/>
-              <a:t>2021-02-22</a:t>
+              <a:t>2021-03-03</a:t>
             </a:fld>
             <a:endParaRPr lang="ko-KR" altLang="en-US"/>
           </a:p>
@@ -2823,7 +2827,7 @@
           <a:p>
             <a:fld id="{FB30EDBD-1C2D-4C1E-B459-B60219FAB484}" type="datetimeFigureOut">
               <a:rPr lang="ko-KR" altLang="en-US" smtClean="0"/>
-              <a:t>2021-02-22</a:t>
+              <a:t>2021-03-03</a:t>
             </a:fld>
             <a:endParaRPr lang="ko-KR" altLang="en-US"/>
           </a:p>
@@ -3295,6 +3299,737 @@
         </p:nvSpPr>
         <p:spPr>
           <a:xfrm>
+            <a:off x="4073654" y="3098749"/>
+            <a:ext cx="4044697" cy="660502"/>
+          </a:xfrm>
+          <a:prstGeom prst="rect">
+            <a:avLst/>
+          </a:prstGeom>
+          <a:noFill/>
+        </p:spPr>
+        <p:txBody>
+          <a:bodyPr wrap="none" rtlCol="0">
+            <a:spAutoFit/>
+          </a:bodyPr>
+          <a:lstStyle/>
+          <a:p>
+            <a:pPr algn="ctr"/>
+            <a:r>
+              <a:rPr lang="ko-KR" altLang="en-US" sz="3692" dirty="0" err="1">
+                <a:solidFill>
+                  <a:schemeClr val="bg1">
+                    <a:lumMod val="95000"/>
+                  </a:schemeClr>
+                </a:solidFill>
+                <a:latin typeface="나눔바른고딕" panose="020B0603020101020101" pitchFamily="50" charset="-127"/>
+                <a:ea typeface="나눔바른고딕" panose="020B0603020101020101" pitchFamily="50" charset="-127"/>
+              </a:rPr>
+              <a:t>에러메세지</a:t>
+            </a:r>
+            <a:r>
+              <a:rPr lang="ko-KR" altLang="en-US" sz="3692" dirty="0">
+                <a:solidFill>
+                  <a:schemeClr val="bg1">
+                    <a:lumMod val="95000"/>
+                  </a:schemeClr>
+                </a:solidFill>
+                <a:latin typeface="나눔바른고딕" panose="020B0603020101020101" pitchFamily="50" charset="-127"/>
+                <a:ea typeface="나눔바른고딕" panose="020B0603020101020101" pitchFamily="50" charset="-127"/>
+              </a:rPr>
+              <a:t> </a:t>
+            </a:r>
+            <a:r>
+              <a:rPr lang="en-US" altLang="ko-KR" sz="3692" dirty="0">
+                <a:solidFill>
+                  <a:schemeClr val="bg1">
+                    <a:lumMod val="95000"/>
+                  </a:schemeClr>
+                </a:solidFill>
+                <a:latin typeface="나눔바른고딕" panose="020B0603020101020101" pitchFamily="50" charset="-127"/>
+                <a:ea typeface="나눔바른고딕" panose="020B0603020101020101" pitchFamily="50" charset="-127"/>
+              </a:rPr>
+              <a:t>= </a:t>
+            </a:r>
+            <a:r>
+              <a:rPr lang="ko-KR" altLang="en-US" sz="3692" dirty="0">
+                <a:solidFill>
+                  <a:schemeClr val="bg1">
+                    <a:lumMod val="95000"/>
+                  </a:schemeClr>
+                </a:solidFill>
+                <a:latin typeface="나눔바른고딕" panose="020B0603020101020101" pitchFamily="50" charset="-127"/>
+                <a:ea typeface="나눔바른고딕" panose="020B0603020101020101" pitchFamily="50" charset="-127"/>
+              </a:rPr>
+              <a:t>선생님</a:t>
+            </a:r>
+            <a:endParaRPr lang="en-US" altLang="ko-KR" sz="3692" dirty="0">
+              <a:solidFill>
+                <a:schemeClr val="bg1">
+                  <a:lumMod val="95000"/>
+                </a:schemeClr>
+              </a:solidFill>
+              <a:latin typeface="나눔바른고딕" panose="020B0603020101020101" pitchFamily="50" charset="-127"/>
+              <a:ea typeface="나눔바른고딕" panose="020B0603020101020101" pitchFamily="50" charset="-127"/>
+            </a:endParaRPr>
+          </a:p>
+        </p:txBody>
+      </p:sp>
+      <p:pic>
+        <p:nvPicPr>
+          <p:cNvPr id="4" name="그림 3">
+            <a:extLst>
+              <a:ext uri="{FF2B5EF4-FFF2-40B4-BE49-F238E27FC236}">
+                <a16:creationId xmlns:a16="http://schemas.microsoft.com/office/drawing/2014/main" id="{D13354EE-DB3D-47AD-B7D7-2477C2AE451C}"/>
+              </a:ext>
+            </a:extLst>
+          </p:cNvPr>
+          <p:cNvPicPr>
+            <a:picLocks noChangeAspect="1"/>
+          </p:cNvPicPr>
+          <p:nvPr/>
+        </p:nvPicPr>
+        <p:blipFill>
+          <a:blip r:embed="rId2"/>
+          <a:stretch>
+            <a:fillRect/>
+          </a:stretch>
+        </p:blipFill>
+        <p:spPr>
+          <a:xfrm>
+            <a:off x="1923467" y="2714525"/>
+            <a:ext cx="8345065" cy="1428949"/>
+          </a:xfrm>
+          <a:prstGeom prst="rect">
+            <a:avLst/>
+          </a:prstGeom>
+        </p:spPr>
+      </p:pic>
+      <p:sp>
+        <p:nvSpPr>
+          <p:cNvPr id="5" name="TextBox 4">
+            <a:extLst>
+              <a:ext uri="{FF2B5EF4-FFF2-40B4-BE49-F238E27FC236}">
+                <a16:creationId xmlns:a16="http://schemas.microsoft.com/office/drawing/2014/main" id="{35D06730-2A1E-4A2C-9DFB-C22599E50095}"/>
+              </a:ext>
+            </a:extLst>
+          </p:cNvPr>
+          <p:cNvSpPr txBox="1"/>
+          <p:nvPr/>
+        </p:nvSpPr>
+        <p:spPr>
+          <a:xfrm>
+            <a:off x="4073650" y="1562060"/>
+            <a:ext cx="4044697" cy="660502"/>
+          </a:xfrm>
+          <a:prstGeom prst="rect">
+            <a:avLst/>
+          </a:prstGeom>
+          <a:noFill/>
+        </p:spPr>
+        <p:txBody>
+          <a:bodyPr wrap="none" rtlCol="0">
+            <a:spAutoFit/>
+          </a:bodyPr>
+          <a:lstStyle/>
+          <a:p>
+            <a:pPr algn="ctr"/>
+            <a:r>
+              <a:rPr lang="ko-KR" altLang="en-US" sz="3692" dirty="0" err="1">
+                <a:solidFill>
+                  <a:schemeClr val="bg1">
+                    <a:lumMod val="95000"/>
+                  </a:schemeClr>
+                </a:solidFill>
+                <a:latin typeface="나눔바른고딕" panose="020B0603020101020101" pitchFamily="50" charset="-127"/>
+                <a:ea typeface="나눔바른고딕" panose="020B0603020101020101" pitchFamily="50" charset="-127"/>
+              </a:rPr>
+              <a:t>에러메세지</a:t>
+            </a:r>
+            <a:r>
+              <a:rPr lang="ko-KR" altLang="en-US" sz="3692" dirty="0">
+                <a:solidFill>
+                  <a:schemeClr val="bg1">
+                    <a:lumMod val="95000"/>
+                  </a:schemeClr>
+                </a:solidFill>
+                <a:latin typeface="나눔바른고딕" panose="020B0603020101020101" pitchFamily="50" charset="-127"/>
+                <a:ea typeface="나눔바른고딕" panose="020B0603020101020101" pitchFamily="50" charset="-127"/>
+              </a:rPr>
+              <a:t> </a:t>
+            </a:r>
+            <a:r>
+              <a:rPr lang="en-US" altLang="ko-KR" sz="3692" dirty="0">
+                <a:solidFill>
+                  <a:schemeClr val="bg1">
+                    <a:lumMod val="95000"/>
+                  </a:schemeClr>
+                </a:solidFill>
+                <a:latin typeface="나눔바른고딕" panose="020B0603020101020101" pitchFamily="50" charset="-127"/>
+                <a:ea typeface="나눔바른고딕" panose="020B0603020101020101" pitchFamily="50" charset="-127"/>
+              </a:rPr>
+              <a:t>= </a:t>
+            </a:r>
+            <a:r>
+              <a:rPr lang="ko-KR" altLang="en-US" sz="3692" dirty="0">
+                <a:solidFill>
+                  <a:schemeClr val="bg1">
+                    <a:lumMod val="95000"/>
+                  </a:schemeClr>
+                </a:solidFill>
+                <a:latin typeface="나눔바른고딕" panose="020B0603020101020101" pitchFamily="50" charset="-127"/>
+                <a:ea typeface="나눔바른고딕" panose="020B0603020101020101" pitchFamily="50" charset="-127"/>
+              </a:rPr>
+              <a:t>선생님</a:t>
+            </a:r>
+            <a:endParaRPr lang="en-US" altLang="ko-KR" sz="3692" dirty="0">
+              <a:solidFill>
+                <a:schemeClr val="bg1">
+                  <a:lumMod val="95000"/>
+                </a:schemeClr>
+              </a:solidFill>
+              <a:latin typeface="나눔바른고딕" panose="020B0603020101020101" pitchFamily="50" charset="-127"/>
+              <a:ea typeface="나눔바른고딕" panose="020B0603020101020101" pitchFamily="50" charset="-127"/>
+            </a:endParaRPr>
+          </a:p>
+        </p:txBody>
+      </p:sp>
+    </p:spTree>
+    <p:extLst>
+      <p:ext uri="{BB962C8B-B14F-4D97-AF65-F5344CB8AC3E}">
+        <p14:creationId xmlns:p14="http://schemas.microsoft.com/office/powerpoint/2010/main" val="2397365537"/>
+      </p:ext>
+    </p:extLst>
+  </p:cSld>
+  <p:clrMapOvr>
+    <a:masterClrMapping/>
+  </p:clrMapOvr>
+  <p:timing>
+    <p:tnLst>
+      <p:par>
+        <p:cTn id="1" dur="indefinite" restart="never" nodeType="tmRoot">
+          <p:childTnLst>
+            <p:seq concurrent="1" nextAc="seek">
+              <p:cTn id="2" dur="indefinite" nodeType="mainSeq">
+                <p:childTnLst>
+                  <p:par>
+                    <p:cTn id="3" fill="hold">
+                      <p:stCondLst>
+                        <p:cond delay="indefinite"/>
+                      </p:stCondLst>
+                      <p:childTnLst>
+                        <p:par>
+                          <p:cTn id="4" fill="hold">
+                            <p:stCondLst>
+                              <p:cond delay="0"/>
+                            </p:stCondLst>
+                            <p:childTnLst>
+                              <p:par>
+                                <p:cTn id="5" presetID="1" presetClass="entr" presetSubtype="0" fill="hold" grpId="0" nodeType="clickEffect">
+                                  <p:stCondLst>
+                                    <p:cond delay="0"/>
+                                  </p:stCondLst>
+                                  <p:childTnLst>
+                                    <p:set>
+                                      <p:cBhvr>
+                                        <p:cTn id="6" dur="1" fill="hold">
+                                          <p:stCondLst>
+                                            <p:cond delay="0"/>
+                                          </p:stCondLst>
+                                        </p:cTn>
+                                        <p:tgtEl>
+                                          <p:spTgt spid="5"/>
+                                        </p:tgtEl>
+                                        <p:attrNameLst>
+                                          <p:attrName>style.visibility</p:attrName>
+                                        </p:attrNameLst>
+                                      </p:cBhvr>
+                                      <p:to>
+                                        <p:strVal val="visible"/>
+                                      </p:to>
+                                    </p:set>
+                                  </p:childTnLst>
+                                </p:cTn>
+                              </p:par>
+                            </p:childTnLst>
+                          </p:cTn>
+                        </p:par>
+                      </p:childTnLst>
+                    </p:cTn>
+                  </p:par>
+                </p:childTnLst>
+              </p:cTn>
+              <p:prevCondLst>
+                <p:cond evt="onPrev" delay="0">
+                  <p:tgtEl>
+                    <p:sldTgt/>
+                  </p:tgtEl>
+                </p:cond>
+              </p:prevCondLst>
+              <p:nextCondLst>
+                <p:cond evt="onNext" delay="0">
+                  <p:tgtEl>
+                    <p:sldTgt/>
+                  </p:tgtEl>
+                </p:cond>
+              </p:nextCondLst>
+            </p:seq>
+          </p:childTnLst>
+        </p:cTn>
+      </p:par>
+    </p:tnLst>
+    <p:bldLst>
+      <p:bldP spid="5" grpId="0"/>
+    </p:bldLst>
+  </p:timing>
+</p:sld>
+</file>
+
+<file path=ppt/slides/slide11.xml><?xml version="1.0" encoding="utf-8"?>
+<p:sld xmlns:a="http://schemas.openxmlformats.org/drawingml/2006/main" xmlns:r="http://schemas.openxmlformats.org/officeDocument/2006/relationships" xmlns:p="http://schemas.openxmlformats.org/presentationml/2006/main">
+  <p:cSld>
+    <p:bg>
+      <p:bgPr>
+        <a:solidFill>
+          <a:schemeClr val="tx1">
+            <a:lumMod val="85000"/>
+            <a:lumOff val="15000"/>
+          </a:schemeClr>
+        </a:solidFill>
+        <a:effectLst/>
+      </p:bgPr>
+    </p:bg>
+    <p:spTree>
+      <p:nvGrpSpPr>
+        <p:cNvPr id="1" name=""/>
+        <p:cNvGrpSpPr/>
+        <p:nvPr/>
+      </p:nvGrpSpPr>
+      <p:grpSpPr>
+        <a:xfrm>
+          <a:off x="0" y="0"/>
+          <a:ext cx="0" cy="0"/>
+          <a:chOff x="0" y="0"/>
+          <a:chExt cx="0" cy="0"/>
+        </a:xfrm>
+      </p:grpSpPr>
+      <p:sp>
+        <p:nvSpPr>
+          <p:cNvPr id="2" name="TextBox 1">
+            <a:extLst>
+              <a:ext uri="{FF2B5EF4-FFF2-40B4-BE49-F238E27FC236}">
+                <a16:creationId xmlns:a16="http://schemas.microsoft.com/office/drawing/2014/main" id="{0B332A50-CC0E-4C7E-B47E-E7CFBA7B423B}"/>
+              </a:ext>
+            </a:extLst>
+          </p:cNvPr>
+          <p:cNvSpPr txBox="1"/>
+          <p:nvPr/>
+        </p:nvSpPr>
+        <p:spPr>
+          <a:xfrm>
+            <a:off x="4949693" y="3098749"/>
+            <a:ext cx="2292615" cy="660502"/>
+          </a:xfrm>
+          <a:prstGeom prst="rect">
+            <a:avLst/>
+          </a:prstGeom>
+          <a:noFill/>
+        </p:spPr>
+        <p:txBody>
+          <a:bodyPr wrap="none" rtlCol="0">
+            <a:spAutoFit/>
+          </a:bodyPr>
+          <a:lstStyle/>
+          <a:p>
+            <a:pPr algn="ctr"/>
+            <a:r>
+              <a:rPr lang="ko-KR" altLang="en-US" sz="3692" dirty="0" err="1">
+                <a:solidFill>
+                  <a:schemeClr val="bg1">
+                    <a:lumMod val="95000"/>
+                  </a:schemeClr>
+                </a:solidFill>
+                <a:latin typeface="나눔바른고딕" panose="020B0603020101020101" pitchFamily="50" charset="-127"/>
+                <a:ea typeface="나눔바른고딕" panose="020B0603020101020101" pitchFamily="50" charset="-127"/>
+              </a:rPr>
+              <a:t>자료형변환</a:t>
+            </a:r>
+            <a:endParaRPr lang="en-US" altLang="ko-KR" sz="3692" dirty="0">
+              <a:solidFill>
+                <a:schemeClr val="bg1">
+                  <a:lumMod val="95000"/>
+                </a:schemeClr>
+              </a:solidFill>
+              <a:latin typeface="나눔바른고딕" panose="020B0603020101020101" pitchFamily="50" charset="-127"/>
+              <a:ea typeface="나눔바른고딕" panose="020B0603020101020101" pitchFamily="50" charset="-127"/>
+            </a:endParaRPr>
+          </a:p>
+        </p:txBody>
+      </p:sp>
+    </p:spTree>
+    <p:extLst>
+      <p:ext uri="{BB962C8B-B14F-4D97-AF65-F5344CB8AC3E}">
+        <p14:creationId xmlns:p14="http://schemas.microsoft.com/office/powerpoint/2010/main" val="2220945899"/>
+      </p:ext>
+    </p:extLst>
+  </p:cSld>
+  <p:clrMapOvr>
+    <a:masterClrMapping/>
+  </p:clrMapOvr>
+</p:sld>
+</file>
+
+<file path=ppt/slides/slide12.xml><?xml version="1.0" encoding="utf-8"?>
+<p:sld xmlns:a="http://schemas.openxmlformats.org/drawingml/2006/main" xmlns:r="http://schemas.openxmlformats.org/officeDocument/2006/relationships" xmlns:p="http://schemas.openxmlformats.org/presentationml/2006/main">
+  <p:cSld>
+    <p:bg>
+      <p:bgPr>
+        <a:solidFill>
+          <a:schemeClr val="tx1">
+            <a:lumMod val="85000"/>
+            <a:lumOff val="15000"/>
+          </a:schemeClr>
+        </a:solidFill>
+        <a:effectLst/>
+      </p:bgPr>
+    </p:bg>
+    <p:spTree>
+      <p:nvGrpSpPr>
+        <p:cNvPr id="1" name=""/>
+        <p:cNvGrpSpPr/>
+        <p:nvPr/>
+      </p:nvGrpSpPr>
+      <p:grpSpPr>
+        <a:xfrm>
+          <a:off x="0" y="0"/>
+          <a:ext cx="0" cy="0"/>
+          <a:chOff x="0" y="0"/>
+          <a:chExt cx="0" cy="0"/>
+        </a:xfrm>
+      </p:grpSpPr>
+      <p:sp>
+        <p:nvSpPr>
+          <p:cNvPr id="2" name="TextBox 1">
+            <a:extLst>
+              <a:ext uri="{FF2B5EF4-FFF2-40B4-BE49-F238E27FC236}">
+                <a16:creationId xmlns:a16="http://schemas.microsoft.com/office/drawing/2014/main" id="{0B332A50-CC0E-4C7E-B47E-E7CFBA7B423B}"/>
+              </a:ext>
+            </a:extLst>
+          </p:cNvPr>
+          <p:cNvSpPr txBox="1"/>
+          <p:nvPr/>
+        </p:nvSpPr>
+        <p:spPr>
+          <a:xfrm>
+            <a:off x="4877561" y="3098749"/>
+            <a:ext cx="2436886" cy="660502"/>
+          </a:xfrm>
+          <a:prstGeom prst="rect">
+            <a:avLst/>
+          </a:prstGeom>
+          <a:noFill/>
+        </p:spPr>
+        <p:txBody>
+          <a:bodyPr wrap="none" rtlCol="0">
+            <a:spAutoFit/>
+          </a:bodyPr>
+          <a:lstStyle/>
+          <a:p>
+            <a:pPr algn="ctr"/>
+            <a:r>
+              <a:rPr lang="en-US" altLang="ko-KR" sz="3692" dirty="0">
+                <a:solidFill>
+                  <a:schemeClr val="bg1">
+                    <a:lumMod val="95000"/>
+                  </a:schemeClr>
+                </a:solidFill>
+                <a:latin typeface="나눔바른고딕" panose="020B0603020101020101" pitchFamily="50" charset="-127"/>
+                <a:ea typeface="나눔바른고딕" panose="020B0603020101020101" pitchFamily="50" charset="-127"/>
+              </a:rPr>
+              <a:t>int(</a:t>
+            </a:r>
+            <a:r>
+              <a:rPr lang="ko-KR" altLang="en-US" sz="3692" dirty="0">
+                <a:solidFill>
+                  <a:schemeClr val="bg1">
+                    <a:lumMod val="95000"/>
+                  </a:schemeClr>
+                </a:solidFill>
+                <a:latin typeface="나눔바른고딕" panose="020B0603020101020101" pitchFamily="50" charset="-127"/>
+                <a:ea typeface="나눔바른고딕" panose="020B0603020101020101" pitchFamily="50" charset="-127"/>
+              </a:rPr>
+              <a:t>문자열</a:t>
+            </a:r>
+            <a:r>
+              <a:rPr lang="en-US" altLang="ko-KR" sz="3692" dirty="0">
+                <a:solidFill>
+                  <a:schemeClr val="bg1">
+                    <a:lumMod val="95000"/>
+                  </a:schemeClr>
+                </a:solidFill>
+                <a:latin typeface="나눔바른고딕" panose="020B0603020101020101" pitchFamily="50" charset="-127"/>
+                <a:ea typeface="나눔바른고딕" panose="020B0603020101020101" pitchFamily="50" charset="-127"/>
+              </a:rPr>
+              <a:t>)</a:t>
+            </a:r>
+          </a:p>
+        </p:txBody>
+      </p:sp>
+    </p:spTree>
+    <p:extLst>
+      <p:ext uri="{BB962C8B-B14F-4D97-AF65-F5344CB8AC3E}">
+        <p14:creationId xmlns:p14="http://schemas.microsoft.com/office/powerpoint/2010/main" val="2161052614"/>
+      </p:ext>
+    </p:extLst>
+  </p:cSld>
+  <p:clrMapOvr>
+    <a:masterClrMapping/>
+  </p:clrMapOvr>
+</p:sld>
+</file>
+
+<file path=ppt/slides/slide13.xml><?xml version="1.0" encoding="utf-8"?>
+<p:sld xmlns:a="http://schemas.openxmlformats.org/drawingml/2006/main" xmlns:r="http://schemas.openxmlformats.org/officeDocument/2006/relationships" xmlns:p="http://schemas.openxmlformats.org/presentationml/2006/main">
+  <p:cSld>
+    <p:bg>
+      <p:bgPr>
+        <a:solidFill>
+          <a:schemeClr val="tx1">
+            <a:lumMod val="85000"/>
+            <a:lumOff val="15000"/>
+          </a:schemeClr>
+        </a:solidFill>
+        <a:effectLst/>
+      </p:bgPr>
+    </p:bg>
+    <p:spTree>
+      <p:nvGrpSpPr>
+        <p:cNvPr id="1" name=""/>
+        <p:cNvGrpSpPr/>
+        <p:nvPr/>
+      </p:nvGrpSpPr>
+      <p:grpSpPr>
+        <a:xfrm>
+          <a:off x="0" y="0"/>
+          <a:ext cx="0" cy="0"/>
+          <a:chOff x="0" y="0"/>
+          <a:chExt cx="0" cy="0"/>
+        </a:xfrm>
+      </p:grpSpPr>
+      <p:sp>
+        <p:nvSpPr>
+          <p:cNvPr id="2" name="TextBox 1">
+            <a:extLst>
+              <a:ext uri="{FF2B5EF4-FFF2-40B4-BE49-F238E27FC236}">
+                <a16:creationId xmlns:a16="http://schemas.microsoft.com/office/drawing/2014/main" id="{0B332A50-CC0E-4C7E-B47E-E7CFBA7B423B}"/>
+              </a:ext>
+            </a:extLst>
+          </p:cNvPr>
+          <p:cNvSpPr txBox="1"/>
+          <p:nvPr/>
+        </p:nvSpPr>
+        <p:spPr>
+          <a:xfrm>
+            <a:off x="5257468" y="2492896"/>
+            <a:ext cx="1677061" cy="660502"/>
+          </a:xfrm>
+          <a:prstGeom prst="rect">
+            <a:avLst/>
+          </a:prstGeom>
+          <a:noFill/>
+        </p:spPr>
+        <p:txBody>
+          <a:bodyPr wrap="none" rtlCol="0">
+            <a:spAutoFit/>
+          </a:bodyPr>
+          <a:lstStyle/>
+          <a:p>
+            <a:pPr algn="ctr"/>
+            <a:r>
+              <a:rPr lang="en-US" altLang="ko-KR" sz="3692" dirty="0">
+                <a:solidFill>
+                  <a:schemeClr val="bg1">
+                    <a:lumMod val="95000"/>
+                  </a:schemeClr>
+                </a:solidFill>
+                <a:latin typeface="나눔바른고딕" panose="020B0603020101020101" pitchFamily="50" charset="-127"/>
+                <a:ea typeface="나눔바른고딕" panose="020B0603020101020101" pitchFamily="50" charset="-127"/>
+              </a:rPr>
+              <a:t>quiz 2)</a:t>
+            </a:r>
+          </a:p>
+        </p:txBody>
+      </p:sp>
+      <p:sp>
+        <p:nvSpPr>
+          <p:cNvPr id="3" name="TextBox 2">
+            <a:extLst>
+              <a:ext uri="{FF2B5EF4-FFF2-40B4-BE49-F238E27FC236}">
+                <a16:creationId xmlns:a16="http://schemas.microsoft.com/office/drawing/2014/main" id="{745A9A6E-6CDF-4998-8DBD-1BD2251F3BE3}"/>
+              </a:ext>
+            </a:extLst>
+          </p:cNvPr>
+          <p:cNvSpPr txBox="1"/>
+          <p:nvPr/>
+        </p:nvSpPr>
+        <p:spPr>
+          <a:xfrm>
+            <a:off x="2653396" y="3704603"/>
+            <a:ext cx="6885218" cy="1077218"/>
+          </a:xfrm>
+          <a:prstGeom prst="rect">
+            <a:avLst/>
+          </a:prstGeom>
+          <a:noFill/>
+        </p:spPr>
+        <p:txBody>
+          <a:bodyPr wrap="none" rtlCol="0">
+            <a:spAutoFit/>
+          </a:bodyPr>
+          <a:lstStyle/>
+          <a:p>
+            <a:pPr algn="ctr"/>
+            <a:r>
+              <a:rPr lang="ko-KR" altLang="en-US" sz="3200" dirty="0">
+                <a:solidFill>
+                  <a:schemeClr val="bg1">
+                    <a:lumMod val="95000"/>
+                  </a:schemeClr>
+                </a:solidFill>
+                <a:latin typeface="나눔바른고딕" panose="020B0603020101020101" pitchFamily="50" charset="-127"/>
+                <a:ea typeface="나눔바른고딕" panose="020B0603020101020101" pitchFamily="50" charset="-127"/>
+              </a:rPr>
+              <a:t>사용자로부터 </a:t>
+            </a:r>
+            <a:r>
+              <a:rPr lang="ko-KR" altLang="en-US" sz="3200" dirty="0">
+                <a:solidFill>
+                  <a:schemeClr val="accent6">
+                    <a:lumMod val="75000"/>
+                  </a:schemeClr>
+                </a:solidFill>
+                <a:latin typeface="나눔바른고딕" panose="020B0603020101020101" pitchFamily="50" charset="-127"/>
+                <a:ea typeface="나눔바른고딕" panose="020B0603020101020101" pitchFamily="50" charset="-127"/>
+              </a:rPr>
+              <a:t>태어난 연도</a:t>
+            </a:r>
+            <a:r>
+              <a:rPr lang="ko-KR" altLang="en-US" sz="3200" dirty="0">
+                <a:solidFill>
+                  <a:schemeClr val="bg1">
+                    <a:lumMod val="95000"/>
+                  </a:schemeClr>
+                </a:solidFill>
+                <a:latin typeface="나눔바른고딕" panose="020B0603020101020101" pitchFamily="50" charset="-127"/>
+                <a:ea typeface="나눔바른고딕" panose="020B0603020101020101" pitchFamily="50" charset="-127"/>
+              </a:rPr>
+              <a:t>를 입력 받으면</a:t>
+            </a:r>
+            <a:r>
+              <a:rPr lang="en-US" altLang="ko-KR" sz="3200" dirty="0">
+                <a:solidFill>
+                  <a:schemeClr val="bg1">
+                    <a:lumMod val="95000"/>
+                  </a:schemeClr>
+                </a:solidFill>
+                <a:latin typeface="나눔바른고딕" panose="020B0603020101020101" pitchFamily="50" charset="-127"/>
+                <a:ea typeface="나눔바른고딕" panose="020B0603020101020101" pitchFamily="50" charset="-127"/>
+              </a:rPr>
+              <a:t>,</a:t>
+            </a:r>
+          </a:p>
+          <a:p>
+            <a:pPr algn="ctr"/>
+            <a:r>
+              <a:rPr lang="ko-KR" altLang="en-US" sz="3200" dirty="0">
+                <a:solidFill>
+                  <a:schemeClr val="accent6">
+                    <a:lumMod val="75000"/>
+                  </a:schemeClr>
+                </a:solidFill>
+                <a:latin typeface="나눔바른고딕" panose="020B0603020101020101" pitchFamily="50" charset="-127"/>
+                <a:ea typeface="나눔바른고딕" panose="020B0603020101020101" pitchFamily="50" charset="-127"/>
+              </a:rPr>
+              <a:t>현재 나이</a:t>
+            </a:r>
+            <a:r>
+              <a:rPr lang="ko-KR" altLang="en-US" sz="3200" dirty="0">
+                <a:solidFill>
+                  <a:schemeClr val="bg1">
+                    <a:lumMod val="95000"/>
+                  </a:schemeClr>
+                </a:solidFill>
+                <a:latin typeface="나눔바른고딕" panose="020B0603020101020101" pitchFamily="50" charset="-127"/>
+                <a:ea typeface="나눔바른고딕" panose="020B0603020101020101" pitchFamily="50" charset="-127"/>
+              </a:rPr>
+              <a:t>를 출력하기</a:t>
+            </a:r>
+            <a:endParaRPr lang="en-US" altLang="ko-KR" sz="3200" dirty="0">
+              <a:solidFill>
+                <a:schemeClr val="bg1">
+                  <a:lumMod val="95000"/>
+                </a:schemeClr>
+              </a:solidFill>
+              <a:latin typeface="나눔바른고딕" panose="020B0603020101020101" pitchFamily="50" charset="-127"/>
+              <a:ea typeface="나눔바른고딕" panose="020B0603020101020101" pitchFamily="50" charset="-127"/>
+            </a:endParaRPr>
+          </a:p>
+        </p:txBody>
+      </p:sp>
+    </p:spTree>
+    <p:extLst>
+      <p:ext uri="{BB962C8B-B14F-4D97-AF65-F5344CB8AC3E}">
+        <p14:creationId xmlns:p14="http://schemas.microsoft.com/office/powerpoint/2010/main" val="3150728743"/>
+      </p:ext>
+    </p:extLst>
+  </p:cSld>
+  <p:clrMapOvr>
+    <a:masterClrMapping/>
+  </p:clrMapOvr>
+</p:sld>
+</file>
+
+<file path=ppt/slides/slide14.xml><?xml version="1.0" encoding="utf-8"?>
+<p:sld xmlns:a="http://schemas.openxmlformats.org/drawingml/2006/main" xmlns:r="http://schemas.openxmlformats.org/officeDocument/2006/relationships" xmlns:p="http://schemas.openxmlformats.org/presentationml/2006/main">
+  <p:cSld>
+    <p:bg>
+      <p:bgPr>
+        <a:solidFill>
+          <a:schemeClr val="tx1">
+            <a:lumMod val="85000"/>
+            <a:lumOff val="15000"/>
+          </a:schemeClr>
+        </a:solidFill>
+        <a:effectLst/>
+      </p:bgPr>
+    </p:bg>
+    <p:spTree>
+      <p:nvGrpSpPr>
+        <p:cNvPr id="1" name=""/>
+        <p:cNvGrpSpPr/>
+        <p:nvPr/>
+      </p:nvGrpSpPr>
+      <p:grpSpPr>
+        <a:xfrm>
+          <a:off x="0" y="0"/>
+          <a:ext cx="0" cy="0"/>
+          <a:chOff x="0" y="0"/>
+          <a:chExt cx="0" cy="0"/>
+        </a:xfrm>
+      </p:grpSpPr>
+      <p:sp>
+        <p:nvSpPr>
+          <p:cNvPr id="2" name="TextBox 1">
+            <a:extLst>
+              <a:ext uri="{FF2B5EF4-FFF2-40B4-BE49-F238E27FC236}">
+                <a16:creationId xmlns:a16="http://schemas.microsoft.com/office/drawing/2014/main" id="{0B332A50-CC0E-4C7E-B47E-E7CFBA7B423B}"/>
+              </a:ext>
+            </a:extLst>
+          </p:cNvPr>
+          <p:cNvSpPr txBox="1"/>
+          <p:nvPr/>
+        </p:nvSpPr>
+        <p:spPr>
+          <a:xfrm>
             <a:off x="4849209" y="3073874"/>
             <a:ext cx="2509020" cy="717440"/>
           </a:xfrm>
@@ -3490,6 +4225,307 @@
         </p:nvSpPr>
         <p:spPr>
           <a:xfrm>
+            <a:off x="4264419" y="3102283"/>
+            <a:ext cx="3663182" cy="660502"/>
+          </a:xfrm>
+          <a:prstGeom prst="rect">
+            <a:avLst/>
+          </a:prstGeom>
+          <a:noFill/>
+        </p:spPr>
+        <p:txBody>
+          <a:bodyPr wrap="none" rtlCol="0">
+            <a:spAutoFit/>
+          </a:bodyPr>
+          <a:lstStyle/>
+          <a:p>
+            <a:pPr algn="ctr"/>
+            <a:r>
+              <a:rPr lang="ko-KR" altLang="en-US" sz="3692" dirty="0">
+                <a:solidFill>
+                  <a:schemeClr val="bg1">
+                    <a:lumMod val="95000"/>
+                  </a:schemeClr>
+                </a:solidFill>
+                <a:latin typeface="나눔바른고딕" panose="020B0603020101020101" pitchFamily="50" charset="-127"/>
+                <a:ea typeface="나눔바른고딕" panose="020B0603020101020101" pitchFamily="50" charset="-127"/>
+              </a:rPr>
+              <a:t>입력과 </a:t>
+            </a:r>
+            <a:r>
+              <a:rPr lang="ko-KR" altLang="en-US" sz="3692" dirty="0" err="1">
+                <a:solidFill>
+                  <a:schemeClr val="bg1">
+                    <a:lumMod val="95000"/>
+                  </a:schemeClr>
+                </a:solidFill>
+                <a:latin typeface="나눔바른고딕" panose="020B0603020101020101" pitchFamily="50" charset="-127"/>
+                <a:ea typeface="나눔바른고딕" panose="020B0603020101020101" pitchFamily="50" charset="-127"/>
+              </a:rPr>
+              <a:t>자료형변환</a:t>
+            </a:r>
+            <a:endParaRPr lang="en-US" altLang="ko-KR" sz="3692" dirty="0">
+              <a:solidFill>
+                <a:schemeClr val="bg1">
+                  <a:lumMod val="95000"/>
+                </a:schemeClr>
+              </a:solidFill>
+              <a:latin typeface="나눔바른고딕" panose="020B0603020101020101" pitchFamily="50" charset="-127"/>
+              <a:ea typeface="나눔바른고딕" panose="020B0603020101020101" pitchFamily="50" charset="-127"/>
+            </a:endParaRPr>
+          </a:p>
+        </p:txBody>
+      </p:sp>
+      <p:pic>
+        <p:nvPicPr>
+          <p:cNvPr id="4" name="그림 3">
+            <a:extLst>
+              <a:ext uri="{FF2B5EF4-FFF2-40B4-BE49-F238E27FC236}">
+                <a16:creationId xmlns:a16="http://schemas.microsoft.com/office/drawing/2014/main" id="{B92CEE2B-47AC-4410-80DA-664F611958A4}"/>
+              </a:ext>
+            </a:extLst>
+          </p:cNvPr>
+          <p:cNvPicPr>
+            <a:picLocks noChangeAspect="1"/>
+          </p:cNvPicPr>
+          <p:nvPr/>
+        </p:nvPicPr>
+        <p:blipFill>
+          <a:blip r:embed="rId2"/>
+          <a:stretch>
+            <a:fillRect/>
+          </a:stretch>
+        </p:blipFill>
+        <p:spPr>
+          <a:xfrm>
+            <a:off x="1861546" y="2666893"/>
+            <a:ext cx="8468907" cy="1524213"/>
+          </a:xfrm>
+          <a:prstGeom prst="rect">
+            <a:avLst/>
+          </a:prstGeom>
+        </p:spPr>
+      </p:pic>
+    </p:spTree>
+    <p:extLst>
+      <p:ext uri="{BB962C8B-B14F-4D97-AF65-F5344CB8AC3E}">
+        <p14:creationId xmlns:p14="http://schemas.microsoft.com/office/powerpoint/2010/main" val="1324582622"/>
+      </p:ext>
+    </p:extLst>
+  </p:cSld>
+  <p:clrMapOvr>
+    <a:masterClrMapping/>
+  </p:clrMapOvr>
+</p:sld>
+</file>
+
+<file path=ppt/slides/slide4.xml><?xml version="1.0" encoding="utf-8"?>
+<p:sld xmlns:a="http://schemas.openxmlformats.org/drawingml/2006/main" xmlns:r="http://schemas.openxmlformats.org/officeDocument/2006/relationships" xmlns:p="http://schemas.openxmlformats.org/presentationml/2006/main">
+  <p:cSld>
+    <p:bg>
+      <p:bgPr>
+        <a:solidFill>
+          <a:schemeClr val="tx1">
+            <a:lumMod val="85000"/>
+            <a:lumOff val="15000"/>
+          </a:schemeClr>
+        </a:solidFill>
+        <a:effectLst/>
+      </p:bgPr>
+    </p:bg>
+    <p:spTree>
+      <p:nvGrpSpPr>
+        <p:cNvPr id="1" name=""/>
+        <p:cNvGrpSpPr/>
+        <p:nvPr/>
+      </p:nvGrpSpPr>
+      <p:grpSpPr>
+        <a:xfrm>
+          <a:off x="0" y="0"/>
+          <a:ext cx="0" cy="0"/>
+          <a:chOff x="0" y="0"/>
+          <a:chExt cx="0" cy="0"/>
+        </a:xfrm>
+      </p:grpSpPr>
+      <p:pic>
+        <p:nvPicPr>
+          <p:cNvPr id="5" name="그림 4">
+            <a:extLst>
+              <a:ext uri="{FF2B5EF4-FFF2-40B4-BE49-F238E27FC236}">
+                <a16:creationId xmlns:a16="http://schemas.microsoft.com/office/drawing/2014/main" id="{EE5FC311-6D72-498E-8588-08D8E15FFBE7}"/>
+              </a:ext>
+            </a:extLst>
+          </p:cNvPr>
+          <p:cNvPicPr>
+            <a:picLocks noChangeAspect="1"/>
+          </p:cNvPicPr>
+          <p:nvPr/>
+        </p:nvPicPr>
+        <p:blipFill>
+          <a:blip r:embed="rId2"/>
+          <a:stretch>
+            <a:fillRect/>
+          </a:stretch>
+        </p:blipFill>
+        <p:spPr>
+          <a:xfrm>
+            <a:off x="1894888" y="2557341"/>
+            <a:ext cx="8402223" cy="1743318"/>
+          </a:xfrm>
+          <a:prstGeom prst="rect">
+            <a:avLst/>
+          </a:prstGeom>
+        </p:spPr>
+      </p:pic>
+    </p:spTree>
+    <p:extLst>
+      <p:ext uri="{BB962C8B-B14F-4D97-AF65-F5344CB8AC3E}">
+        <p14:creationId xmlns:p14="http://schemas.microsoft.com/office/powerpoint/2010/main" val="3996447297"/>
+      </p:ext>
+    </p:extLst>
+  </p:cSld>
+  <p:clrMapOvr>
+    <a:masterClrMapping/>
+  </p:clrMapOvr>
+</p:sld>
+</file>
+
+<file path=ppt/slides/slide5.xml><?xml version="1.0" encoding="utf-8"?>
+<p:sld xmlns:a="http://schemas.openxmlformats.org/drawingml/2006/main" xmlns:r="http://schemas.openxmlformats.org/officeDocument/2006/relationships" xmlns:p="http://schemas.openxmlformats.org/presentationml/2006/main">
+  <p:cSld>
+    <p:bg>
+      <p:bgPr>
+        <a:solidFill>
+          <a:schemeClr val="tx1">
+            <a:lumMod val="85000"/>
+            <a:lumOff val="15000"/>
+          </a:schemeClr>
+        </a:solidFill>
+        <a:effectLst/>
+      </p:bgPr>
+    </p:bg>
+    <p:spTree>
+      <p:nvGrpSpPr>
+        <p:cNvPr id="1" name=""/>
+        <p:cNvGrpSpPr/>
+        <p:nvPr/>
+      </p:nvGrpSpPr>
+      <p:grpSpPr>
+        <a:xfrm>
+          <a:off x="0" y="0"/>
+          <a:ext cx="0" cy="0"/>
+          <a:chOff x="0" y="0"/>
+          <a:chExt cx="0" cy="0"/>
+        </a:xfrm>
+      </p:grpSpPr>
+      <p:sp>
+        <p:nvSpPr>
+          <p:cNvPr id="2" name="TextBox 1">
+            <a:extLst>
+              <a:ext uri="{FF2B5EF4-FFF2-40B4-BE49-F238E27FC236}">
+                <a16:creationId xmlns:a16="http://schemas.microsoft.com/office/drawing/2014/main" id="{0B332A50-CC0E-4C7E-B47E-E7CFBA7B423B}"/>
+              </a:ext>
+            </a:extLst>
+          </p:cNvPr>
+          <p:cNvSpPr txBox="1"/>
+          <p:nvPr/>
+        </p:nvSpPr>
+        <p:spPr>
+          <a:xfrm>
+            <a:off x="5582087" y="3102283"/>
+            <a:ext cx="1027845" cy="660502"/>
+          </a:xfrm>
+          <a:prstGeom prst="rect">
+            <a:avLst/>
+          </a:prstGeom>
+          <a:noFill/>
+        </p:spPr>
+        <p:txBody>
+          <a:bodyPr wrap="none" rtlCol="0">
+            <a:spAutoFit/>
+          </a:bodyPr>
+          <a:lstStyle/>
+          <a:p>
+            <a:pPr algn="ctr"/>
+            <a:r>
+              <a:rPr lang="ko-KR" altLang="en-US" sz="3692" dirty="0">
+                <a:solidFill>
+                  <a:schemeClr val="bg1">
+                    <a:lumMod val="95000"/>
+                  </a:schemeClr>
+                </a:solidFill>
+                <a:latin typeface="나눔바른고딕" panose="020B0603020101020101" pitchFamily="50" charset="-127"/>
+                <a:ea typeface="나눔바른고딕" panose="020B0603020101020101" pitchFamily="50" charset="-127"/>
+              </a:rPr>
+              <a:t>입력</a:t>
+            </a:r>
+            <a:endParaRPr lang="en-US" altLang="ko-KR" sz="3692" dirty="0">
+              <a:solidFill>
+                <a:schemeClr val="bg1">
+                  <a:lumMod val="95000"/>
+                </a:schemeClr>
+              </a:solidFill>
+              <a:latin typeface="나눔바른고딕" panose="020B0603020101020101" pitchFamily="50" charset="-127"/>
+              <a:ea typeface="나눔바른고딕" panose="020B0603020101020101" pitchFamily="50" charset="-127"/>
+            </a:endParaRPr>
+          </a:p>
+        </p:txBody>
+      </p:sp>
+    </p:spTree>
+    <p:extLst>
+      <p:ext uri="{BB962C8B-B14F-4D97-AF65-F5344CB8AC3E}">
+        <p14:creationId xmlns:p14="http://schemas.microsoft.com/office/powerpoint/2010/main" val="1681742628"/>
+      </p:ext>
+    </p:extLst>
+  </p:cSld>
+  <p:clrMapOvr>
+    <a:masterClrMapping/>
+  </p:clrMapOvr>
+</p:sld>
+</file>
+
+<file path=ppt/slides/slide6.xml><?xml version="1.0" encoding="utf-8"?>
+<p:sld xmlns:a="http://schemas.openxmlformats.org/drawingml/2006/main" xmlns:r="http://schemas.openxmlformats.org/officeDocument/2006/relationships" xmlns:p="http://schemas.openxmlformats.org/presentationml/2006/main">
+  <p:cSld>
+    <p:bg>
+      <p:bgPr>
+        <a:solidFill>
+          <a:schemeClr val="tx1">
+            <a:lumMod val="85000"/>
+            <a:lumOff val="15000"/>
+          </a:schemeClr>
+        </a:solidFill>
+        <a:effectLst/>
+      </p:bgPr>
+    </p:bg>
+    <p:spTree>
+      <p:nvGrpSpPr>
+        <p:cNvPr id="1" name=""/>
+        <p:cNvGrpSpPr/>
+        <p:nvPr/>
+      </p:nvGrpSpPr>
+      <p:grpSpPr>
+        <a:xfrm>
+          <a:off x="0" y="0"/>
+          <a:ext cx="0" cy="0"/>
+          <a:chOff x="0" y="0"/>
+          <a:chExt cx="0" cy="0"/>
+        </a:xfrm>
+      </p:grpSpPr>
+      <p:sp>
+        <p:nvSpPr>
+          <p:cNvPr id="2" name="TextBox 1">
+            <a:extLst>
+              <a:ext uri="{FF2B5EF4-FFF2-40B4-BE49-F238E27FC236}">
+                <a16:creationId xmlns:a16="http://schemas.microsoft.com/office/drawing/2014/main" id="{0B332A50-CC0E-4C7E-B47E-E7CFBA7B423B}"/>
+              </a:ext>
+            </a:extLst>
+          </p:cNvPr>
+          <p:cNvSpPr txBox="1"/>
+          <p:nvPr/>
+        </p:nvSpPr>
+        <p:spPr>
+          <a:xfrm>
             <a:off x="4210710" y="2768498"/>
             <a:ext cx="3770584" cy="660502"/>
           </a:xfrm>
@@ -3610,6 +4646,212 @@
     <p:extLst>
       <p:ext uri="{BB962C8B-B14F-4D97-AF65-F5344CB8AC3E}">
         <p14:creationId xmlns:p14="http://schemas.microsoft.com/office/powerpoint/2010/main" val="1588533733"/>
+      </p:ext>
+    </p:extLst>
+  </p:cSld>
+  <p:clrMapOvr>
+    <a:masterClrMapping/>
+  </p:clrMapOvr>
+</p:sld>
+</file>
+
+<file path=ppt/slides/slide7.xml><?xml version="1.0" encoding="utf-8"?>
+<p:sld xmlns:a="http://schemas.openxmlformats.org/drawingml/2006/main" xmlns:r="http://schemas.openxmlformats.org/officeDocument/2006/relationships" xmlns:p="http://schemas.openxmlformats.org/presentationml/2006/main">
+  <p:cSld>
+    <p:bg>
+      <p:bgPr>
+        <a:solidFill>
+          <a:schemeClr val="tx1">
+            <a:lumMod val="85000"/>
+            <a:lumOff val="15000"/>
+          </a:schemeClr>
+        </a:solidFill>
+        <a:effectLst/>
+      </p:bgPr>
+    </p:bg>
+    <p:spTree>
+      <p:nvGrpSpPr>
+        <p:cNvPr id="1" name=""/>
+        <p:cNvGrpSpPr/>
+        <p:nvPr/>
+      </p:nvGrpSpPr>
+      <p:grpSpPr>
+        <a:xfrm>
+          <a:off x="0" y="0"/>
+          <a:ext cx="0" cy="0"/>
+          <a:chOff x="0" y="0"/>
+          <a:chExt cx="0" cy="0"/>
+        </a:xfrm>
+      </p:grpSpPr>
+      <p:sp>
+        <p:nvSpPr>
+          <p:cNvPr id="2" name="TextBox 1">
+            <a:extLst>
+              <a:ext uri="{FF2B5EF4-FFF2-40B4-BE49-F238E27FC236}">
+                <a16:creationId xmlns:a16="http://schemas.microsoft.com/office/drawing/2014/main" id="{0B332A50-CC0E-4C7E-B47E-E7CFBA7B423B}"/>
+              </a:ext>
+            </a:extLst>
+          </p:cNvPr>
+          <p:cNvSpPr txBox="1"/>
+          <p:nvPr/>
+        </p:nvSpPr>
+        <p:spPr>
+          <a:xfrm>
+            <a:off x="2558035" y="3102283"/>
+            <a:ext cx="7075976" cy="660502"/>
+          </a:xfrm>
+          <a:prstGeom prst="rect">
+            <a:avLst/>
+          </a:prstGeom>
+          <a:noFill/>
+        </p:spPr>
+        <p:txBody>
+          <a:bodyPr wrap="none" rtlCol="0">
+            <a:spAutoFit/>
+          </a:bodyPr>
+          <a:lstStyle/>
+          <a:p>
+            <a:pPr algn="ctr"/>
+            <a:r>
+              <a:rPr lang="en-US" altLang="ko-KR" sz="3692" dirty="0">
+                <a:solidFill>
+                  <a:schemeClr val="bg1">
+                    <a:lumMod val="95000"/>
+                  </a:schemeClr>
+                </a:solidFill>
+                <a:latin typeface="나눔바른고딕" panose="020B0603020101020101" pitchFamily="50" charset="-127"/>
+                <a:ea typeface="나눔바른고딕" panose="020B0603020101020101" pitchFamily="50" charset="-127"/>
+              </a:rPr>
+              <a:t>x = input("</a:t>
+            </a:r>
+            <a:r>
+              <a:rPr lang="ko-KR" altLang="en-US" sz="3692" dirty="0">
+                <a:solidFill>
+                  <a:schemeClr val="bg1">
+                    <a:lumMod val="95000"/>
+                  </a:schemeClr>
+                </a:solidFill>
+                <a:latin typeface="나눔바른고딕" panose="020B0603020101020101" pitchFamily="50" charset="-127"/>
+                <a:ea typeface="나눔바른고딕" panose="020B0603020101020101" pitchFamily="50" charset="-127"/>
+              </a:rPr>
+              <a:t>숫자를 입력하세요</a:t>
+            </a:r>
+            <a:r>
+              <a:rPr lang="en-US" altLang="ko-KR" sz="3692" dirty="0">
+                <a:solidFill>
+                  <a:schemeClr val="bg1">
+                    <a:lumMod val="95000"/>
+                  </a:schemeClr>
+                </a:solidFill>
+                <a:latin typeface="나눔바른고딕" panose="020B0603020101020101" pitchFamily="50" charset="-127"/>
+                <a:ea typeface="나눔바른고딕" panose="020B0603020101020101" pitchFamily="50" charset="-127"/>
+              </a:rPr>
+              <a:t> &gt;&gt;&gt;")</a:t>
+            </a:r>
+          </a:p>
+        </p:txBody>
+      </p:sp>
+      <p:cxnSp>
+        <p:nvCxnSpPr>
+          <p:cNvPr id="4" name="직선 연결선 3">
+            <a:extLst>
+              <a:ext uri="{FF2B5EF4-FFF2-40B4-BE49-F238E27FC236}">
+                <a16:creationId xmlns:a16="http://schemas.microsoft.com/office/drawing/2014/main" id="{809F5F3A-62AD-4C80-972A-DA4636531754}"/>
+              </a:ext>
+            </a:extLst>
+          </p:cNvPr>
+          <p:cNvCxnSpPr/>
+          <p:nvPr/>
+        </p:nvCxnSpPr>
+        <p:spPr>
+          <a:xfrm>
+            <a:off x="3503712" y="3861048"/>
+            <a:ext cx="5832648" cy="0"/>
+          </a:xfrm>
+          <a:prstGeom prst="line">
+            <a:avLst/>
+          </a:prstGeom>
+          <a:ln w="28575"/>
+        </p:spPr>
+        <p:style>
+          <a:lnRef idx="1">
+            <a:schemeClr val="accent1"/>
+          </a:lnRef>
+          <a:fillRef idx="0">
+            <a:schemeClr val="accent1"/>
+          </a:fillRef>
+          <a:effectRef idx="0">
+            <a:schemeClr val="accent1"/>
+          </a:effectRef>
+          <a:fontRef idx="minor">
+            <a:schemeClr val="tx1"/>
+          </a:fontRef>
+        </p:style>
+      </p:cxnSp>
+      <p:pic>
+        <p:nvPicPr>
+          <p:cNvPr id="6" name="그림 5">
+            <a:extLst>
+              <a:ext uri="{FF2B5EF4-FFF2-40B4-BE49-F238E27FC236}">
+                <a16:creationId xmlns:a16="http://schemas.microsoft.com/office/drawing/2014/main" id="{C2D5ACBE-2896-454D-9E14-D8B775A61453}"/>
+              </a:ext>
+            </a:extLst>
+          </p:cNvPr>
+          <p:cNvPicPr>
+            <a:picLocks noChangeAspect="1"/>
+          </p:cNvPicPr>
+          <p:nvPr/>
+        </p:nvPicPr>
+        <p:blipFill>
+          <a:blip r:embed="rId2"/>
+          <a:stretch>
+            <a:fillRect/>
+          </a:stretch>
+        </p:blipFill>
+        <p:spPr>
+          <a:xfrm>
+            <a:off x="1875836" y="4221088"/>
+            <a:ext cx="8440328" cy="1571844"/>
+          </a:xfrm>
+          <a:prstGeom prst="rect">
+            <a:avLst/>
+          </a:prstGeom>
+        </p:spPr>
+      </p:pic>
+      <p:pic>
+        <p:nvPicPr>
+          <p:cNvPr id="8" name="그림 7">
+            <a:extLst>
+              <a:ext uri="{FF2B5EF4-FFF2-40B4-BE49-F238E27FC236}">
+                <a16:creationId xmlns:a16="http://schemas.microsoft.com/office/drawing/2014/main" id="{97C3C966-C928-4B8D-BEBD-DE909A6294FA}"/>
+              </a:ext>
+            </a:extLst>
+          </p:cNvPr>
+          <p:cNvPicPr>
+            <a:picLocks noChangeAspect="1"/>
+          </p:cNvPicPr>
+          <p:nvPr/>
+        </p:nvPicPr>
+        <p:blipFill>
+          <a:blip r:embed="rId3"/>
+          <a:stretch>
+            <a:fillRect/>
+          </a:stretch>
+        </p:blipFill>
+        <p:spPr>
+          <a:xfrm>
+            <a:off x="1913941" y="4223192"/>
+            <a:ext cx="8402223" cy="1581371"/>
+          </a:xfrm>
+          <a:prstGeom prst="rect">
+            <a:avLst/>
+          </a:prstGeom>
+        </p:spPr>
+      </p:pic>
+    </p:spTree>
+    <p:extLst>
+      <p:ext uri="{BB962C8B-B14F-4D97-AF65-F5344CB8AC3E}">
+        <p14:creationId xmlns:p14="http://schemas.microsoft.com/office/powerpoint/2010/main" val="3130242561"/>
       </p:ext>
     </p:extLst>
   </p:cSld>
@@ -3637,7 +4879,7 @@
                             </p:stCondLst>
                             <p:childTnLst>
                               <p:par>
-                                <p:cTn id="5" presetID="1" presetClass="entr" presetSubtype="0" fill="hold" grpId="0" nodeType="clickEffect">
+                                <p:cTn id="5" presetID="42" presetClass="entr" presetSubtype="0" fill="hold" nodeType="clickEffect">
                                   <p:stCondLst>
                                     <p:cond delay="0"/>
                                   </p:stCondLst>
@@ -3650,7 +4892,178 @@
                                           </p:stCondLst>
                                         </p:cTn>
                                         <p:tgtEl>
-                                          <p:spTgt spid="3"/>
+                                          <p:spTgt spid="4"/>
+                                        </p:tgtEl>
+                                        <p:attrNameLst>
+                                          <p:attrName>style.visibility</p:attrName>
+                                        </p:attrNameLst>
+                                      </p:cBhvr>
+                                      <p:to>
+                                        <p:strVal val="visible"/>
+                                      </p:to>
+                                    </p:set>
+                                    <p:animEffect transition="in" filter="fade">
+                                      <p:cBhvr>
+                                        <p:cTn id="7" dur="1000"/>
+                                        <p:tgtEl>
+                                          <p:spTgt spid="4"/>
+                                        </p:tgtEl>
+                                      </p:cBhvr>
+                                    </p:animEffect>
+                                    <p:anim calcmode="lin" valueType="num">
+                                      <p:cBhvr>
+                                        <p:cTn id="8" dur="1000" fill="hold"/>
+                                        <p:tgtEl>
+                                          <p:spTgt spid="4"/>
+                                        </p:tgtEl>
+                                        <p:attrNameLst>
+                                          <p:attrName>ppt_x</p:attrName>
+                                        </p:attrNameLst>
+                                      </p:cBhvr>
+                                      <p:tavLst>
+                                        <p:tav tm="0">
+                                          <p:val>
+                                            <p:strVal val="#ppt_x"/>
+                                          </p:val>
+                                        </p:tav>
+                                        <p:tav tm="100000">
+                                          <p:val>
+                                            <p:strVal val="#ppt_x"/>
+                                          </p:val>
+                                        </p:tav>
+                                      </p:tavLst>
+                                    </p:anim>
+                                    <p:anim calcmode="lin" valueType="num">
+                                      <p:cBhvr>
+                                        <p:cTn id="9" dur="1000" fill="hold"/>
+                                        <p:tgtEl>
+                                          <p:spTgt spid="4"/>
+                                        </p:tgtEl>
+                                        <p:attrNameLst>
+                                          <p:attrName>ppt_y</p:attrName>
+                                        </p:attrNameLst>
+                                      </p:cBhvr>
+                                      <p:tavLst>
+                                        <p:tav tm="0">
+                                          <p:val>
+                                            <p:strVal val="#ppt_y+.1"/>
+                                          </p:val>
+                                        </p:tav>
+                                        <p:tav tm="100000">
+                                          <p:val>
+                                            <p:strVal val="#ppt_y"/>
+                                          </p:val>
+                                        </p:tav>
+                                      </p:tavLst>
+                                    </p:anim>
+                                  </p:childTnLst>
+                                </p:cTn>
+                              </p:par>
+                            </p:childTnLst>
+                          </p:cTn>
+                        </p:par>
+                      </p:childTnLst>
+                    </p:cTn>
+                  </p:par>
+                  <p:par>
+                    <p:cTn id="10" fill="hold">
+                      <p:stCondLst>
+                        <p:cond delay="indefinite"/>
+                      </p:stCondLst>
+                      <p:childTnLst>
+                        <p:par>
+                          <p:cTn id="11" fill="hold">
+                            <p:stCondLst>
+                              <p:cond delay="0"/>
+                            </p:stCondLst>
+                            <p:childTnLst>
+                              <p:par>
+                                <p:cTn id="12" presetID="1" presetClass="entr" presetSubtype="0" fill="hold" nodeType="clickEffect">
+                                  <p:stCondLst>
+                                    <p:cond delay="0"/>
+                                  </p:stCondLst>
+                                  <p:childTnLst>
+                                    <p:set>
+                                      <p:cBhvr>
+                                        <p:cTn id="13" dur="1" fill="hold">
+                                          <p:stCondLst>
+                                            <p:cond delay="0"/>
+                                          </p:stCondLst>
+                                        </p:cTn>
+                                        <p:tgtEl>
+                                          <p:spTgt spid="8"/>
+                                        </p:tgtEl>
+                                        <p:attrNameLst>
+                                          <p:attrName>style.visibility</p:attrName>
+                                        </p:attrNameLst>
+                                      </p:cBhvr>
+                                      <p:to>
+                                        <p:strVal val="visible"/>
+                                      </p:to>
+                                    </p:set>
+                                  </p:childTnLst>
+                                </p:cTn>
+                              </p:par>
+                            </p:childTnLst>
+                          </p:cTn>
+                        </p:par>
+                      </p:childTnLst>
+                    </p:cTn>
+                  </p:par>
+                  <p:par>
+                    <p:cTn id="14" fill="hold">
+                      <p:stCondLst>
+                        <p:cond delay="indefinite"/>
+                      </p:stCondLst>
+                      <p:childTnLst>
+                        <p:par>
+                          <p:cTn id="15" fill="hold">
+                            <p:stCondLst>
+                              <p:cond delay="0"/>
+                            </p:stCondLst>
+                            <p:childTnLst>
+                              <p:par>
+                                <p:cTn id="16" presetID="1" presetClass="exit" presetSubtype="0" fill="hold" nodeType="clickEffect">
+                                  <p:stCondLst>
+                                    <p:cond delay="0"/>
+                                  </p:stCondLst>
+                                  <p:childTnLst>
+                                    <p:set>
+                                      <p:cBhvr>
+                                        <p:cTn id="17" dur="1" fill="hold">
+                                          <p:stCondLst>
+                                            <p:cond delay="0"/>
+                                          </p:stCondLst>
+                                        </p:cTn>
+                                        <p:tgtEl>
+                                          <p:spTgt spid="8"/>
+                                        </p:tgtEl>
+                                        <p:attrNameLst>
+                                          <p:attrName>style.visibility</p:attrName>
+                                        </p:attrNameLst>
+                                      </p:cBhvr>
+                                      <p:to>
+                                        <p:strVal val="hidden"/>
+                                      </p:to>
+                                    </p:set>
+                                  </p:childTnLst>
+                                </p:cTn>
+                              </p:par>
+                              <p:par>
+                                <p:cTn id="18" presetID="1" presetClass="entr" presetSubtype="0" fill="hold" nodeType="withEffect">
+                                  <p:stCondLst>
+                                    <p:cond delay="0"/>
+                                  </p:stCondLst>
+                                  <p:childTnLst>
+                                    <p:set>
+                                      <p:cBhvr>
+                                        <p:cTn id="19" dur="1" fill="hold">
+                                          <p:stCondLst>
+                                            <p:cond delay="0"/>
+                                          </p:stCondLst>
+                                        </p:cTn>
+                                        <p:tgtEl>
+                                          <p:spTgt spid="6"/>
                                         </p:tgtEl>
                                         <p:attrNameLst>
                                           <p:attrName>style.visibility</p:attrName>
@@ -3690,544 +5103,7 @@
         </p:cTn>
       </p:par>
     </p:tnLst>
-    <p:bldLst>
-      <p:bldP spid="3" grpId="0"/>
-    </p:bldLst>
   </p:timing>
-</p:sld>
-</file>
-
-<file path=ppt/slides/slide4.xml><?xml version="1.0" encoding="utf-8"?>
-<p:sld xmlns:a="http://schemas.openxmlformats.org/drawingml/2006/main" xmlns:r="http://schemas.openxmlformats.org/officeDocument/2006/relationships" xmlns:p="http://schemas.openxmlformats.org/presentationml/2006/main">
-  <p:cSld>
-    <p:bg>
-      <p:bgPr>
-        <a:solidFill>
-          <a:schemeClr val="tx1">
-            <a:lumMod val="85000"/>
-            <a:lumOff val="15000"/>
-          </a:schemeClr>
-        </a:solidFill>
-        <a:effectLst/>
-      </p:bgPr>
-    </p:bg>
-    <p:spTree>
-      <p:nvGrpSpPr>
-        <p:cNvPr id="1" name=""/>
-        <p:cNvGrpSpPr/>
-        <p:nvPr/>
-      </p:nvGrpSpPr>
-      <p:grpSpPr>
-        <a:xfrm>
-          <a:off x="0" y="0"/>
-          <a:ext cx="0" cy="0"/>
-          <a:chOff x="0" y="0"/>
-          <a:chExt cx="0" cy="0"/>
-        </a:xfrm>
-      </p:grpSpPr>
-      <p:sp>
-        <p:nvSpPr>
-          <p:cNvPr id="2" name="TextBox 1">
-            <a:extLst>
-              <a:ext uri="{FF2B5EF4-FFF2-40B4-BE49-F238E27FC236}">
-                <a16:creationId xmlns:a16="http://schemas.microsoft.com/office/drawing/2014/main" id="{0B332A50-CC0E-4C7E-B47E-E7CFBA7B423B}"/>
-              </a:ext>
-            </a:extLst>
-          </p:cNvPr>
-          <p:cNvSpPr txBox="1"/>
-          <p:nvPr/>
-        </p:nvSpPr>
-        <p:spPr>
-          <a:xfrm>
-            <a:off x="2558035" y="3102283"/>
-            <a:ext cx="7075976" cy="660502"/>
-          </a:xfrm>
-          <a:prstGeom prst="rect">
-            <a:avLst/>
-          </a:prstGeom>
-          <a:noFill/>
-        </p:spPr>
-        <p:txBody>
-          <a:bodyPr wrap="none" rtlCol="0">
-            <a:spAutoFit/>
-          </a:bodyPr>
-          <a:lstStyle/>
-          <a:p>
-            <a:pPr algn="ctr"/>
-            <a:r>
-              <a:rPr lang="en-US" altLang="ko-KR" sz="3692" dirty="0">
-                <a:solidFill>
-                  <a:schemeClr val="bg1">
-                    <a:lumMod val="95000"/>
-                  </a:schemeClr>
-                </a:solidFill>
-                <a:latin typeface="나눔바른고딕" panose="020B0603020101020101" pitchFamily="50" charset="-127"/>
-                <a:ea typeface="나눔바른고딕" panose="020B0603020101020101" pitchFamily="50" charset="-127"/>
-              </a:rPr>
-              <a:t>x = input("</a:t>
-            </a:r>
-            <a:r>
-              <a:rPr lang="ko-KR" altLang="en-US" sz="3692" dirty="0">
-                <a:solidFill>
-                  <a:schemeClr val="bg1">
-                    <a:lumMod val="95000"/>
-                  </a:schemeClr>
-                </a:solidFill>
-                <a:latin typeface="나눔바른고딕" panose="020B0603020101020101" pitchFamily="50" charset="-127"/>
-                <a:ea typeface="나눔바른고딕" panose="020B0603020101020101" pitchFamily="50" charset="-127"/>
-              </a:rPr>
-              <a:t>숫자를 입력하세요</a:t>
-            </a:r>
-            <a:r>
-              <a:rPr lang="en-US" altLang="ko-KR" sz="3692" dirty="0">
-                <a:solidFill>
-                  <a:schemeClr val="bg1">
-                    <a:lumMod val="95000"/>
-                  </a:schemeClr>
-                </a:solidFill>
-                <a:latin typeface="나눔바른고딕" panose="020B0603020101020101" pitchFamily="50" charset="-127"/>
-                <a:ea typeface="나눔바른고딕" panose="020B0603020101020101" pitchFamily="50" charset="-127"/>
-              </a:rPr>
-              <a:t> &gt;&gt;&gt;")</a:t>
-            </a:r>
-          </a:p>
-        </p:txBody>
-      </p:sp>
-    </p:spTree>
-    <p:extLst>
-      <p:ext uri="{BB962C8B-B14F-4D97-AF65-F5344CB8AC3E}">
-        <p14:creationId xmlns:p14="http://schemas.microsoft.com/office/powerpoint/2010/main" val="3130242561"/>
-      </p:ext>
-    </p:extLst>
-  </p:cSld>
-  <p:clrMapOvr>
-    <a:masterClrMapping/>
-  </p:clrMapOvr>
-</p:sld>
-</file>
-
-<file path=ppt/slides/slide5.xml><?xml version="1.0" encoding="utf-8"?>
-<p:sld xmlns:a="http://schemas.openxmlformats.org/drawingml/2006/main" xmlns:r="http://schemas.openxmlformats.org/officeDocument/2006/relationships" xmlns:p="http://schemas.openxmlformats.org/presentationml/2006/main">
-  <p:cSld>
-    <p:bg>
-      <p:bgPr>
-        <a:solidFill>
-          <a:schemeClr val="tx1">
-            <a:lumMod val="85000"/>
-            <a:lumOff val="15000"/>
-          </a:schemeClr>
-        </a:solidFill>
-        <a:effectLst/>
-      </p:bgPr>
-    </p:bg>
-    <p:spTree>
-      <p:nvGrpSpPr>
-        <p:cNvPr id="1" name=""/>
-        <p:cNvGrpSpPr/>
-        <p:nvPr/>
-      </p:nvGrpSpPr>
-      <p:grpSpPr>
-        <a:xfrm>
-          <a:off x="0" y="0"/>
-          <a:ext cx="0" cy="0"/>
-          <a:chOff x="0" y="0"/>
-          <a:chExt cx="0" cy="0"/>
-        </a:xfrm>
-      </p:grpSpPr>
-      <p:sp>
-        <p:nvSpPr>
-          <p:cNvPr id="2" name="TextBox 1">
-            <a:extLst>
-              <a:ext uri="{FF2B5EF4-FFF2-40B4-BE49-F238E27FC236}">
-                <a16:creationId xmlns:a16="http://schemas.microsoft.com/office/drawing/2014/main" id="{0B332A50-CC0E-4C7E-B47E-E7CFBA7B423B}"/>
-              </a:ext>
-            </a:extLst>
-          </p:cNvPr>
-          <p:cNvSpPr txBox="1"/>
-          <p:nvPr/>
-        </p:nvSpPr>
-        <p:spPr>
-          <a:xfrm>
-            <a:off x="5257468" y="2492896"/>
-            <a:ext cx="1677061" cy="660502"/>
-          </a:xfrm>
-          <a:prstGeom prst="rect">
-            <a:avLst/>
-          </a:prstGeom>
-          <a:noFill/>
-        </p:spPr>
-        <p:txBody>
-          <a:bodyPr wrap="none" rtlCol="0">
-            <a:spAutoFit/>
-          </a:bodyPr>
-          <a:lstStyle/>
-          <a:p>
-            <a:pPr algn="ctr"/>
-            <a:r>
-              <a:rPr lang="en-US" altLang="ko-KR" sz="3692" dirty="0">
-                <a:solidFill>
-                  <a:schemeClr val="bg1">
-                    <a:lumMod val="95000"/>
-                  </a:schemeClr>
-                </a:solidFill>
-                <a:latin typeface="나눔바른고딕" panose="020B0603020101020101" pitchFamily="50" charset="-127"/>
-                <a:ea typeface="나눔바른고딕" panose="020B0603020101020101" pitchFamily="50" charset="-127"/>
-              </a:rPr>
-              <a:t>quiz 1)</a:t>
-            </a:r>
-          </a:p>
-        </p:txBody>
-      </p:sp>
-      <p:sp>
-        <p:nvSpPr>
-          <p:cNvPr id="3" name="TextBox 2">
-            <a:extLst>
-              <a:ext uri="{FF2B5EF4-FFF2-40B4-BE49-F238E27FC236}">
-                <a16:creationId xmlns:a16="http://schemas.microsoft.com/office/drawing/2014/main" id="{745A9A6E-6CDF-4998-8DBD-1BD2251F3BE3}"/>
-              </a:ext>
-            </a:extLst>
-          </p:cNvPr>
-          <p:cNvSpPr txBox="1"/>
-          <p:nvPr/>
-        </p:nvSpPr>
-        <p:spPr>
-          <a:xfrm>
-            <a:off x="2790451" y="3704603"/>
-            <a:ext cx="6611105" cy="1077218"/>
-          </a:xfrm>
-          <a:prstGeom prst="rect">
-            <a:avLst/>
-          </a:prstGeom>
-          <a:noFill/>
-        </p:spPr>
-        <p:txBody>
-          <a:bodyPr wrap="none" rtlCol="0">
-            <a:spAutoFit/>
-          </a:bodyPr>
-          <a:lstStyle/>
-          <a:p>
-            <a:pPr algn="ctr"/>
-            <a:r>
-              <a:rPr lang="ko-KR" altLang="en-US" sz="3200" dirty="0">
-                <a:solidFill>
-                  <a:schemeClr val="bg1">
-                    <a:lumMod val="95000"/>
-                  </a:schemeClr>
-                </a:solidFill>
-                <a:latin typeface="나눔바른고딕" panose="020B0603020101020101" pitchFamily="50" charset="-127"/>
-                <a:ea typeface="나눔바른고딕" panose="020B0603020101020101" pitchFamily="50" charset="-127"/>
-              </a:rPr>
-              <a:t>사용자로부터 </a:t>
-            </a:r>
-            <a:r>
-              <a:rPr lang="ko-KR" altLang="en-US" sz="3200" dirty="0">
-                <a:solidFill>
-                  <a:schemeClr val="accent6">
-                    <a:lumMod val="75000"/>
-                  </a:schemeClr>
-                </a:solidFill>
-                <a:latin typeface="나눔바른고딕" panose="020B0603020101020101" pitchFamily="50" charset="-127"/>
-                <a:ea typeface="나눔바른고딕" panose="020B0603020101020101" pitchFamily="50" charset="-127"/>
-              </a:rPr>
-              <a:t>두개의 숫자</a:t>
-            </a:r>
-            <a:r>
-              <a:rPr lang="ko-KR" altLang="en-US" sz="3200" dirty="0">
-                <a:solidFill>
-                  <a:schemeClr val="bg1">
-                    <a:lumMod val="95000"/>
-                  </a:schemeClr>
-                </a:solidFill>
-                <a:latin typeface="나눔바른고딕" panose="020B0603020101020101" pitchFamily="50" charset="-127"/>
-                <a:ea typeface="나눔바른고딕" panose="020B0603020101020101" pitchFamily="50" charset="-127"/>
-              </a:rPr>
-              <a:t>를 입력 받고</a:t>
-            </a:r>
-            <a:r>
-              <a:rPr lang="en-US" altLang="ko-KR" sz="3200" dirty="0">
-                <a:solidFill>
-                  <a:schemeClr val="bg1">
-                    <a:lumMod val="95000"/>
-                  </a:schemeClr>
-                </a:solidFill>
-                <a:latin typeface="나눔바른고딕" panose="020B0603020101020101" pitchFamily="50" charset="-127"/>
-                <a:ea typeface="나눔바른고딕" panose="020B0603020101020101" pitchFamily="50" charset="-127"/>
-              </a:rPr>
-              <a:t>,</a:t>
-            </a:r>
-          </a:p>
-          <a:p>
-            <a:pPr algn="ctr"/>
-            <a:r>
-              <a:rPr lang="ko-KR" altLang="en-US" sz="3200" dirty="0">
-                <a:solidFill>
-                  <a:schemeClr val="accent6">
-                    <a:lumMod val="75000"/>
-                  </a:schemeClr>
-                </a:solidFill>
-                <a:latin typeface="나눔바른고딕" panose="020B0603020101020101" pitchFamily="50" charset="-127"/>
-                <a:ea typeface="나눔바른고딕" panose="020B0603020101020101" pitchFamily="50" charset="-127"/>
-              </a:rPr>
-              <a:t>곱한</a:t>
-            </a:r>
-            <a:r>
-              <a:rPr lang="ko-KR" altLang="en-US" sz="3200" dirty="0">
-                <a:solidFill>
-                  <a:schemeClr val="bg1">
-                    <a:lumMod val="95000"/>
-                  </a:schemeClr>
-                </a:solidFill>
-                <a:latin typeface="나눔바른고딕" panose="020B0603020101020101" pitchFamily="50" charset="-127"/>
-                <a:ea typeface="나눔바른고딕" panose="020B0603020101020101" pitchFamily="50" charset="-127"/>
-              </a:rPr>
-              <a:t> 결과를 출력하기</a:t>
-            </a:r>
-            <a:endParaRPr lang="en-US" altLang="ko-KR" sz="3200" dirty="0">
-              <a:solidFill>
-                <a:schemeClr val="bg1">
-                  <a:lumMod val="95000"/>
-                </a:schemeClr>
-              </a:solidFill>
-              <a:latin typeface="나눔바른고딕" panose="020B0603020101020101" pitchFamily="50" charset="-127"/>
-              <a:ea typeface="나눔바른고딕" panose="020B0603020101020101" pitchFamily="50" charset="-127"/>
-            </a:endParaRPr>
-          </a:p>
-        </p:txBody>
-      </p:sp>
-    </p:spTree>
-    <p:extLst>
-      <p:ext uri="{BB962C8B-B14F-4D97-AF65-F5344CB8AC3E}">
-        <p14:creationId xmlns:p14="http://schemas.microsoft.com/office/powerpoint/2010/main" val="1430049550"/>
-      </p:ext>
-    </p:extLst>
-  </p:cSld>
-  <p:clrMapOvr>
-    <a:masterClrMapping/>
-  </p:clrMapOvr>
-</p:sld>
-</file>
-
-<file path=ppt/slides/slide6.xml><?xml version="1.0" encoding="utf-8"?>
-<p:sld xmlns:a="http://schemas.openxmlformats.org/drawingml/2006/main" xmlns:r="http://schemas.openxmlformats.org/officeDocument/2006/relationships" xmlns:p="http://schemas.openxmlformats.org/presentationml/2006/main">
-  <p:cSld>
-    <p:bg>
-      <p:bgPr>
-        <a:solidFill>
-          <a:schemeClr val="tx1">
-            <a:lumMod val="85000"/>
-            <a:lumOff val="15000"/>
-          </a:schemeClr>
-        </a:solidFill>
-        <a:effectLst/>
-      </p:bgPr>
-    </p:bg>
-    <p:spTree>
-      <p:nvGrpSpPr>
-        <p:cNvPr id="1" name=""/>
-        <p:cNvGrpSpPr/>
-        <p:nvPr/>
-      </p:nvGrpSpPr>
-      <p:grpSpPr>
-        <a:xfrm>
-          <a:off x="0" y="0"/>
-          <a:ext cx="0" cy="0"/>
-          <a:chOff x="0" y="0"/>
-          <a:chExt cx="0" cy="0"/>
-        </a:xfrm>
-      </p:grpSpPr>
-      <p:sp>
-        <p:nvSpPr>
-          <p:cNvPr id="2" name="TextBox 1">
-            <a:extLst>
-              <a:ext uri="{FF2B5EF4-FFF2-40B4-BE49-F238E27FC236}">
-                <a16:creationId xmlns:a16="http://schemas.microsoft.com/office/drawing/2014/main" id="{0B332A50-CC0E-4C7E-B47E-E7CFBA7B423B}"/>
-              </a:ext>
-            </a:extLst>
-          </p:cNvPr>
-          <p:cNvSpPr txBox="1"/>
-          <p:nvPr/>
-        </p:nvSpPr>
-        <p:spPr>
-          <a:xfrm>
-            <a:off x="4073654" y="3098749"/>
-            <a:ext cx="4044697" cy="660502"/>
-          </a:xfrm>
-          <a:prstGeom prst="rect">
-            <a:avLst/>
-          </a:prstGeom>
-          <a:noFill/>
-        </p:spPr>
-        <p:txBody>
-          <a:bodyPr wrap="none" rtlCol="0">
-            <a:spAutoFit/>
-          </a:bodyPr>
-          <a:lstStyle/>
-          <a:p>
-            <a:pPr algn="ctr"/>
-            <a:r>
-              <a:rPr lang="ko-KR" altLang="en-US" sz="3692" dirty="0" err="1">
-                <a:solidFill>
-                  <a:schemeClr val="bg1">
-                    <a:lumMod val="95000"/>
-                  </a:schemeClr>
-                </a:solidFill>
-                <a:latin typeface="나눔바른고딕" panose="020B0603020101020101" pitchFamily="50" charset="-127"/>
-                <a:ea typeface="나눔바른고딕" panose="020B0603020101020101" pitchFamily="50" charset="-127"/>
-              </a:rPr>
-              <a:t>에러메세지</a:t>
-            </a:r>
-            <a:r>
-              <a:rPr lang="ko-KR" altLang="en-US" sz="3692" dirty="0">
-                <a:solidFill>
-                  <a:schemeClr val="bg1">
-                    <a:lumMod val="95000"/>
-                  </a:schemeClr>
-                </a:solidFill>
-                <a:latin typeface="나눔바른고딕" panose="020B0603020101020101" pitchFamily="50" charset="-127"/>
-                <a:ea typeface="나눔바른고딕" panose="020B0603020101020101" pitchFamily="50" charset="-127"/>
-              </a:rPr>
-              <a:t> </a:t>
-            </a:r>
-            <a:r>
-              <a:rPr lang="en-US" altLang="ko-KR" sz="3692" dirty="0">
-                <a:solidFill>
-                  <a:schemeClr val="bg1">
-                    <a:lumMod val="95000"/>
-                  </a:schemeClr>
-                </a:solidFill>
-                <a:latin typeface="나눔바른고딕" panose="020B0603020101020101" pitchFamily="50" charset="-127"/>
-                <a:ea typeface="나눔바른고딕" panose="020B0603020101020101" pitchFamily="50" charset="-127"/>
-              </a:rPr>
-              <a:t>= </a:t>
-            </a:r>
-            <a:r>
-              <a:rPr lang="ko-KR" altLang="en-US" sz="3692" dirty="0">
-                <a:solidFill>
-                  <a:schemeClr val="bg1">
-                    <a:lumMod val="95000"/>
-                  </a:schemeClr>
-                </a:solidFill>
-                <a:latin typeface="나눔바른고딕" panose="020B0603020101020101" pitchFamily="50" charset="-127"/>
-                <a:ea typeface="나눔바른고딕" panose="020B0603020101020101" pitchFamily="50" charset="-127"/>
-              </a:rPr>
-              <a:t>선생님</a:t>
-            </a:r>
-            <a:endParaRPr lang="en-US" altLang="ko-KR" sz="3692" dirty="0">
-              <a:solidFill>
-                <a:schemeClr val="bg1">
-                  <a:lumMod val="95000"/>
-                </a:schemeClr>
-              </a:solidFill>
-              <a:latin typeface="나눔바른고딕" panose="020B0603020101020101" pitchFamily="50" charset="-127"/>
-              <a:ea typeface="나눔바른고딕" panose="020B0603020101020101" pitchFamily="50" charset="-127"/>
-            </a:endParaRPr>
-          </a:p>
-        </p:txBody>
-      </p:sp>
-    </p:spTree>
-    <p:extLst>
-      <p:ext uri="{BB962C8B-B14F-4D97-AF65-F5344CB8AC3E}">
-        <p14:creationId xmlns:p14="http://schemas.microsoft.com/office/powerpoint/2010/main" val="2397365537"/>
-      </p:ext>
-    </p:extLst>
-  </p:cSld>
-  <p:clrMapOvr>
-    <a:masterClrMapping/>
-  </p:clrMapOvr>
-</p:sld>
-</file>
-
-<file path=ppt/slides/slide7.xml><?xml version="1.0" encoding="utf-8"?>
-<p:sld xmlns:a="http://schemas.openxmlformats.org/drawingml/2006/main" xmlns:r="http://schemas.openxmlformats.org/officeDocument/2006/relationships" xmlns:p="http://schemas.openxmlformats.org/presentationml/2006/main">
-  <p:cSld>
-    <p:bg>
-      <p:bgPr>
-        <a:solidFill>
-          <a:schemeClr val="tx1">
-            <a:lumMod val="85000"/>
-            <a:lumOff val="15000"/>
-          </a:schemeClr>
-        </a:solidFill>
-        <a:effectLst/>
-      </p:bgPr>
-    </p:bg>
-    <p:spTree>
-      <p:nvGrpSpPr>
-        <p:cNvPr id="1" name=""/>
-        <p:cNvGrpSpPr/>
-        <p:nvPr/>
-      </p:nvGrpSpPr>
-      <p:grpSpPr>
-        <a:xfrm>
-          <a:off x="0" y="0"/>
-          <a:ext cx="0" cy="0"/>
-          <a:chOff x="0" y="0"/>
-          <a:chExt cx="0" cy="0"/>
-        </a:xfrm>
-      </p:grpSpPr>
-      <p:sp>
-        <p:nvSpPr>
-          <p:cNvPr id="2" name="TextBox 1">
-            <a:extLst>
-              <a:ext uri="{FF2B5EF4-FFF2-40B4-BE49-F238E27FC236}">
-                <a16:creationId xmlns:a16="http://schemas.microsoft.com/office/drawing/2014/main" id="{0B332A50-CC0E-4C7E-B47E-E7CFBA7B423B}"/>
-              </a:ext>
-            </a:extLst>
-          </p:cNvPr>
-          <p:cNvSpPr txBox="1"/>
-          <p:nvPr/>
-        </p:nvSpPr>
-        <p:spPr>
-          <a:xfrm>
-            <a:off x="4949693" y="3098749"/>
-            <a:ext cx="2292615" cy="660502"/>
-          </a:xfrm>
-          <a:prstGeom prst="rect">
-            <a:avLst/>
-          </a:prstGeom>
-          <a:noFill/>
-        </p:spPr>
-        <p:txBody>
-          <a:bodyPr wrap="none" rtlCol="0">
-            <a:spAutoFit/>
-          </a:bodyPr>
-          <a:lstStyle/>
-          <a:p>
-            <a:pPr algn="ctr"/>
-            <a:r>
-              <a:rPr lang="ko-KR" altLang="en-US" sz="3692" dirty="0" err="1">
-                <a:solidFill>
-                  <a:schemeClr val="bg1">
-                    <a:lumMod val="95000"/>
-                  </a:schemeClr>
-                </a:solidFill>
-                <a:latin typeface="나눔바른고딕" panose="020B0603020101020101" pitchFamily="50" charset="-127"/>
-                <a:ea typeface="나눔바른고딕" panose="020B0603020101020101" pitchFamily="50" charset="-127"/>
-              </a:rPr>
-              <a:t>자료형변환</a:t>
-            </a:r>
-            <a:endParaRPr lang="en-US" altLang="ko-KR" sz="3692" dirty="0">
-              <a:solidFill>
-                <a:schemeClr val="bg1">
-                  <a:lumMod val="95000"/>
-                </a:schemeClr>
-              </a:solidFill>
-              <a:latin typeface="나눔바른고딕" panose="020B0603020101020101" pitchFamily="50" charset="-127"/>
-              <a:ea typeface="나눔바른고딕" panose="020B0603020101020101" pitchFamily="50" charset="-127"/>
-            </a:endParaRPr>
-          </a:p>
-        </p:txBody>
-      </p:sp>
-    </p:spTree>
-    <p:extLst>
-      <p:ext uri="{BB962C8B-B14F-4D97-AF65-F5344CB8AC3E}">
-        <p14:creationId xmlns:p14="http://schemas.microsoft.com/office/powerpoint/2010/main" val="2220945899"/>
-      </p:ext>
-    </p:extLst>
-  </p:cSld>
-  <p:clrMapOvr>
-    <a:masterClrMapping/>
-  </p:clrMapOvr>
 </p:sld>
 </file>
 
@@ -4273,8 +5149,8 @@
         </p:nvSpPr>
         <p:spPr>
           <a:xfrm>
-            <a:off x="4877561" y="3098749"/>
-            <a:ext cx="2436886" cy="660502"/>
+            <a:off x="5218219" y="3102283"/>
+            <a:ext cx="1755610" cy="660502"/>
           </a:xfrm>
           <a:prstGeom prst="rect">
             <a:avLst/>
@@ -4298,31 +5174,7 @@
                 <a:latin typeface="나눔바른고딕" panose="020B0603020101020101" pitchFamily="50" charset="-127"/>
                 <a:ea typeface="나눔바른고딕" panose="020B0603020101020101" pitchFamily="50" charset="-127"/>
               </a:rPr>
-              <a:t>int(</a:t>
-            </a:r>
-            <a:r>
-              <a:rPr lang="ko-KR" altLang="en-US" sz="3692" dirty="0">
-                <a:solidFill>
-                  <a:schemeClr val="bg1">
-                    <a:lumMod val="95000"/>
-                  </a:schemeClr>
-                </a:solidFill>
-                <a:latin typeface="나눔바른고딕" panose="020B0603020101020101" pitchFamily="50" charset="-127"/>
-                <a:ea typeface="나눔바른고딕" panose="020B0603020101020101" pitchFamily="50" charset="-127"/>
-              </a:rPr>
-              <a:t>문자열</a:t>
-            </a:r>
-            <a:r>
-              <a:rPr lang="en-US" altLang="ko-KR" sz="3692" dirty="0">
-                <a:solidFill>
-                  <a:schemeClr val="bg1">
-                    <a:lumMod val="95000"/>
-                  </a:schemeClr>
-                </a:solidFill>
-                <a:latin typeface="나눔바른고딕" panose="020B0603020101020101" pitchFamily="50" charset="-127"/>
-                <a:ea typeface="나눔바른고딕" panose="020B0603020101020101" pitchFamily="50" charset="-127"/>
-              </a:rPr>
-              <a:t>)</a:t>
+              <a:t>x = "15"</a:t>
             </a:r>
           </a:p>
         </p:txBody>
@@ -4330,7 +5182,7 @@
     </p:spTree>
     <p:extLst>
       <p:ext uri="{BB962C8B-B14F-4D97-AF65-F5344CB8AC3E}">
-        <p14:creationId xmlns:p14="http://schemas.microsoft.com/office/powerpoint/2010/main" val="2161052614"/>
+        <p14:creationId xmlns:p14="http://schemas.microsoft.com/office/powerpoint/2010/main" val="2340640655"/>
       </p:ext>
     </p:extLst>
   </p:cSld>
@@ -4407,7 +5259,7 @@
                 <a:latin typeface="나눔바른고딕" panose="020B0603020101020101" pitchFamily="50" charset="-127"/>
                 <a:ea typeface="나눔바른고딕" panose="020B0603020101020101" pitchFamily="50" charset="-127"/>
               </a:rPr>
-              <a:t>quiz 2)</a:t>
+              <a:t>quiz 1)</a:t>
             </a:r>
           </a:p>
         </p:txBody>
@@ -4426,8 +5278,8 @@
         </p:nvSpPr>
         <p:spPr>
           <a:xfrm>
-            <a:off x="2653396" y="3704603"/>
-            <a:ext cx="6885218" cy="1077218"/>
+            <a:off x="2790451" y="3704603"/>
+            <a:ext cx="6611105" cy="1077218"/>
           </a:xfrm>
           <a:prstGeom prst="rect">
             <a:avLst/>
@@ -4463,7 +5315,7 @@
                 <a:latin typeface="나눔바른고딕" panose="020B0603020101020101" pitchFamily="50" charset="-127"/>
                 <a:ea typeface="나눔바른고딕" panose="020B0603020101020101" pitchFamily="50" charset="-127"/>
               </a:rPr>
-              <a:t>태어난 연도</a:t>
+              <a:t>두개의 숫자</a:t>
             </a:r>
             <a:r>
               <a:rPr lang="ko-KR" altLang="en-US" sz="3200" dirty="0">
@@ -4475,7 +5327,7 @@
                 <a:latin typeface="나눔바른고딕" panose="020B0603020101020101" pitchFamily="50" charset="-127"/>
                 <a:ea typeface="나눔바른고딕" panose="020B0603020101020101" pitchFamily="50" charset="-127"/>
               </a:rPr>
-              <a:t>를 입력 받으면</a:t>
+              <a:t>를 입력 받고</a:t>
             </a:r>
             <a:r>
               <a:rPr lang="en-US" altLang="ko-KR" sz="3200" dirty="0">
@@ -4502,7 +5354,7 @@
                 <a:latin typeface="나눔바른고딕" panose="020B0603020101020101" pitchFamily="50" charset="-127"/>
                 <a:ea typeface="나눔바른고딕" panose="020B0603020101020101" pitchFamily="50" charset="-127"/>
               </a:rPr>
-              <a:t>현재 나이</a:t>
+              <a:t>곱한</a:t>
             </a:r>
             <a:r>
               <a:rPr lang="ko-KR" altLang="en-US" sz="3200" dirty="0">
@@ -4514,7 +5366,7 @@
                 <a:latin typeface="나눔바른고딕" panose="020B0603020101020101" pitchFamily="50" charset="-127"/>
                 <a:ea typeface="나눔바른고딕" panose="020B0603020101020101" pitchFamily="50" charset="-127"/>
               </a:rPr>
-              <a:t>를 출력하기</a:t>
+              <a:t> 결과를 출력하기</a:t>
             </a:r>
             <a:endParaRPr lang="en-US" altLang="ko-KR" sz="3200" dirty="0">
               <a:solidFill>
@@ -4531,7 +5383,7 @@
     </p:spTree>
     <p:extLst>
       <p:ext uri="{BB962C8B-B14F-4D97-AF65-F5344CB8AC3E}">
-        <p14:creationId xmlns:p14="http://schemas.microsoft.com/office/powerpoint/2010/main" val="3150728743"/>
+        <p14:creationId xmlns:p14="http://schemas.microsoft.com/office/powerpoint/2010/main" val="1430049550"/>
       </p:ext>
     </p:extLst>
   </p:cSld>

--- a/파이썬기초(PPT)/NEW_2021버전/파이썬 기초 5강_입력과 형변환.pptx
+++ b/파이썬기초(PPT)/NEW_2021버전/파이썬 기초 5강_입력과 형변환.pptx
@@ -5,7 +5,7 @@
     <p:sldMasterId id="2147483648" r:id="rId1"/>
   </p:sldMasterIdLst>
   <p:handoutMasterIdLst>
-    <p:handoutMasterId r:id="rId16"/>
+    <p:handoutMasterId r:id="rId17"/>
   </p:handoutMasterIdLst>
   <p:sldIdLst>
     <p:sldId id="292" r:id="rId2"/>
@@ -21,7 +21,8 @@
     <p:sldId id="349" r:id="rId12"/>
     <p:sldId id="350" r:id="rId13"/>
     <p:sldId id="355" r:id="rId14"/>
-    <p:sldId id="338" r:id="rId15"/>
+    <p:sldId id="360" r:id="rId15"/>
+    <p:sldId id="338" r:id="rId16"/>
   </p:sldIdLst>
   <p:sldSz cx="12192000" cy="6858000"/>
   <p:notesSz cx="10020300" cy="6888163"/>
@@ -469,7 +470,7 @@
           <a:p>
             <a:fld id="{FB30EDBD-1C2D-4C1E-B459-B60219FAB484}" type="datetimeFigureOut">
               <a:rPr lang="ko-KR" altLang="en-US" smtClean="0"/>
-              <a:t>2021-03-03</a:t>
+              <a:t>2021-03-07</a:t>
             </a:fld>
             <a:endParaRPr lang="ko-KR" altLang="en-US"/>
           </a:p>
@@ -632,7 +633,7 @@
           <a:p>
             <a:fld id="{FB30EDBD-1C2D-4C1E-B459-B60219FAB484}" type="datetimeFigureOut">
               <a:rPr lang="ko-KR" altLang="en-US" smtClean="0"/>
-              <a:t>2021-03-03</a:t>
+              <a:t>2021-03-07</a:t>
             </a:fld>
             <a:endParaRPr lang="ko-KR" altLang="en-US"/>
           </a:p>
@@ -805,7 +806,7 @@
           <a:p>
             <a:fld id="{FB30EDBD-1C2D-4C1E-B459-B60219FAB484}" type="datetimeFigureOut">
               <a:rPr lang="ko-KR" altLang="en-US" smtClean="0"/>
-              <a:t>2021-03-03</a:t>
+              <a:t>2021-03-07</a:t>
             </a:fld>
             <a:endParaRPr lang="ko-KR" altLang="en-US"/>
           </a:p>
@@ -968,7 +969,7 @@
           <a:p>
             <a:fld id="{FB30EDBD-1C2D-4C1E-B459-B60219FAB484}" type="datetimeFigureOut">
               <a:rPr lang="ko-KR" altLang="en-US" smtClean="0"/>
-              <a:t>2021-03-03</a:t>
+              <a:t>2021-03-07</a:t>
             </a:fld>
             <a:endParaRPr lang="ko-KR" altLang="en-US"/>
           </a:p>
@@ -1208,7 +1209,7 @@
           <a:p>
             <a:fld id="{FB30EDBD-1C2D-4C1E-B459-B60219FAB484}" type="datetimeFigureOut">
               <a:rPr lang="ko-KR" altLang="en-US" smtClean="0"/>
-              <a:t>2021-03-03</a:t>
+              <a:t>2021-03-07</a:t>
             </a:fld>
             <a:endParaRPr lang="ko-KR" altLang="en-US"/>
           </a:p>
@@ -1488,7 +1489,7 @@
           <a:p>
             <a:fld id="{FB30EDBD-1C2D-4C1E-B459-B60219FAB484}" type="datetimeFigureOut">
               <a:rPr lang="ko-KR" altLang="en-US" smtClean="0"/>
-              <a:t>2021-03-03</a:t>
+              <a:t>2021-03-07</a:t>
             </a:fld>
             <a:endParaRPr lang="ko-KR" altLang="en-US"/>
           </a:p>
@@ -1902,7 +1903,7 @@
           <a:p>
             <a:fld id="{FB30EDBD-1C2D-4C1E-B459-B60219FAB484}" type="datetimeFigureOut">
               <a:rPr lang="ko-KR" altLang="en-US" smtClean="0"/>
-              <a:t>2021-03-03</a:t>
+              <a:t>2021-03-07</a:t>
             </a:fld>
             <a:endParaRPr lang="ko-KR" altLang="en-US"/>
           </a:p>
@@ -2014,7 +2015,7 @@
           <a:p>
             <a:fld id="{FB30EDBD-1C2D-4C1E-B459-B60219FAB484}" type="datetimeFigureOut">
               <a:rPr lang="ko-KR" altLang="en-US" smtClean="0"/>
-              <a:t>2021-03-03</a:t>
+              <a:t>2021-03-07</a:t>
             </a:fld>
             <a:endParaRPr lang="ko-KR" altLang="en-US"/>
           </a:p>
@@ -2104,7 +2105,7 @@
           <a:p>
             <a:fld id="{FB30EDBD-1C2D-4C1E-B459-B60219FAB484}" type="datetimeFigureOut">
               <a:rPr lang="ko-KR" altLang="en-US" smtClean="0"/>
-              <a:t>2021-03-03</a:t>
+              <a:t>2021-03-07</a:t>
             </a:fld>
             <a:endParaRPr lang="ko-KR" altLang="en-US"/>
           </a:p>
@@ -2374,7 +2375,7 @@
           <a:p>
             <a:fld id="{FB30EDBD-1C2D-4C1E-B459-B60219FAB484}" type="datetimeFigureOut">
               <a:rPr lang="ko-KR" altLang="en-US" smtClean="0"/>
-              <a:t>2021-03-03</a:t>
+              <a:t>2021-03-07</a:t>
             </a:fld>
             <a:endParaRPr lang="ko-KR" altLang="en-US"/>
           </a:p>
@@ -2621,7 +2622,7 @@
           <a:p>
             <a:fld id="{FB30EDBD-1C2D-4C1E-B459-B60219FAB484}" type="datetimeFigureOut">
               <a:rPr lang="ko-KR" altLang="en-US" smtClean="0"/>
-              <a:t>2021-03-03</a:t>
+              <a:t>2021-03-07</a:t>
             </a:fld>
             <a:endParaRPr lang="ko-KR" altLang="en-US"/>
           </a:p>
@@ -2827,7 +2828,7 @@
           <a:p>
             <a:fld id="{FB30EDBD-1C2D-4C1E-B459-B60219FAB484}" type="datetimeFigureOut">
               <a:rPr lang="ko-KR" altLang="en-US" smtClean="0"/>
-              <a:t>2021-03-03</a:t>
+              <a:t>2021-03-07</a:t>
             </a:fld>
             <a:endParaRPr lang="ko-KR" altLang="en-US"/>
           </a:p>
@@ -3989,6 +3990,704 @@
 </file>
 
 <file path=ppt/slides/slide14.xml><?xml version="1.0" encoding="utf-8"?>
+<p:sld xmlns:a="http://schemas.openxmlformats.org/drawingml/2006/main" xmlns:r="http://schemas.openxmlformats.org/officeDocument/2006/relationships" xmlns:p="http://schemas.openxmlformats.org/presentationml/2006/main">
+  <p:cSld>
+    <p:bg>
+      <p:bgPr>
+        <a:solidFill>
+          <a:schemeClr val="tx1">
+            <a:lumMod val="85000"/>
+            <a:lumOff val="15000"/>
+          </a:schemeClr>
+        </a:solidFill>
+        <a:effectLst/>
+      </p:bgPr>
+    </p:bg>
+    <p:spTree>
+      <p:nvGrpSpPr>
+        <p:cNvPr id="1" name=""/>
+        <p:cNvGrpSpPr/>
+        <p:nvPr/>
+      </p:nvGrpSpPr>
+      <p:grpSpPr>
+        <a:xfrm>
+          <a:off x="0" y="0"/>
+          <a:ext cx="0" cy="0"/>
+          <a:chOff x="0" y="0"/>
+          <a:chExt cx="0" cy="0"/>
+        </a:xfrm>
+      </p:grpSpPr>
+      <p:sp>
+        <p:nvSpPr>
+          <p:cNvPr id="2" name="TextBox 1">
+            <a:extLst>
+              <a:ext uri="{FF2B5EF4-FFF2-40B4-BE49-F238E27FC236}">
+                <a16:creationId xmlns:a16="http://schemas.microsoft.com/office/drawing/2014/main" id="{0B332A50-CC0E-4C7E-B47E-E7CFBA7B423B}"/>
+              </a:ext>
+            </a:extLst>
+          </p:cNvPr>
+          <p:cNvSpPr txBox="1"/>
+          <p:nvPr/>
+        </p:nvSpPr>
+        <p:spPr>
+          <a:xfrm>
+            <a:off x="673738" y="967149"/>
+            <a:ext cx="2909771" cy="1331134"/>
+          </a:xfrm>
+          <a:prstGeom prst="rect">
+            <a:avLst/>
+          </a:prstGeom>
+          <a:noFill/>
+        </p:spPr>
+        <p:txBody>
+          <a:bodyPr wrap="none" rtlCol="0">
+            <a:spAutoFit/>
+          </a:bodyPr>
+          <a:lstStyle/>
+          <a:p>
+            <a:pPr>
+              <a:lnSpc>
+                <a:spcPct val="150000"/>
+              </a:lnSpc>
+            </a:pPr>
+            <a:r>
+              <a:rPr lang="en-US" altLang="ko-KR" sz="2800" dirty="0">
+                <a:solidFill>
+                  <a:schemeClr val="bg1">
+                    <a:lumMod val="95000"/>
+                  </a:schemeClr>
+                </a:solidFill>
+                <a:latin typeface="나눔바른고딕" panose="020B0603020101020101" pitchFamily="50" charset="-127"/>
+                <a:ea typeface="나눔바른고딕" panose="020B0603020101020101" pitchFamily="50" charset="-127"/>
+              </a:rPr>
+              <a:t>1. </a:t>
+            </a:r>
+            <a:r>
+              <a:rPr lang="ko-KR" altLang="en-US" sz="2800" dirty="0">
+                <a:solidFill>
+                  <a:schemeClr val="bg1">
+                    <a:lumMod val="95000"/>
+                  </a:schemeClr>
+                </a:solidFill>
+                <a:latin typeface="나눔바른고딕" panose="020B0603020101020101" pitchFamily="50" charset="-127"/>
+                <a:ea typeface="나눔바른고딕" panose="020B0603020101020101" pitchFamily="50" charset="-127"/>
+              </a:rPr>
+              <a:t>입력</a:t>
+            </a:r>
+            <a:endParaRPr lang="en-US" altLang="ko-KR" sz="2800" dirty="0">
+              <a:solidFill>
+                <a:schemeClr val="bg1">
+                  <a:lumMod val="95000"/>
+                </a:schemeClr>
+              </a:solidFill>
+              <a:latin typeface="나눔바른고딕" panose="020B0603020101020101" pitchFamily="50" charset="-127"/>
+              <a:ea typeface="나눔바른고딕" panose="020B0603020101020101" pitchFamily="50" charset="-127"/>
+            </a:endParaRPr>
+          </a:p>
+          <a:p>
+            <a:pPr>
+              <a:lnSpc>
+                <a:spcPct val="150000"/>
+              </a:lnSpc>
+            </a:pPr>
+            <a:r>
+              <a:rPr lang="en-US" altLang="ko-KR" sz="2800" dirty="0">
+                <a:solidFill>
+                  <a:schemeClr val="accent6">
+                    <a:lumMod val="75000"/>
+                  </a:schemeClr>
+                </a:solidFill>
+                <a:latin typeface="나눔바른고딕" panose="020B0603020101020101" pitchFamily="50" charset="-127"/>
+                <a:ea typeface="나눔바른고딕" panose="020B0603020101020101" pitchFamily="50" charset="-127"/>
+              </a:rPr>
+              <a:t>input() </a:t>
+            </a:r>
+            <a:r>
+              <a:rPr lang="en-US" altLang="ko-KR" sz="2800" dirty="0">
+                <a:solidFill>
+                  <a:schemeClr val="bg1">
+                    <a:lumMod val="95000"/>
+                  </a:schemeClr>
+                </a:solidFill>
+                <a:latin typeface="나눔바른고딕" panose="020B0603020101020101" pitchFamily="50" charset="-127"/>
+                <a:ea typeface="나눔바른고딕" panose="020B0603020101020101" pitchFamily="50" charset="-127"/>
+              </a:rPr>
+              <a:t>: </a:t>
+            </a:r>
+            <a:r>
+              <a:rPr lang="ko-KR" altLang="en-US" sz="2800" dirty="0">
+                <a:solidFill>
+                  <a:schemeClr val="bg1">
+                    <a:lumMod val="95000"/>
+                  </a:schemeClr>
+                </a:solidFill>
+                <a:latin typeface="나눔바른고딕" panose="020B0603020101020101" pitchFamily="50" charset="-127"/>
+                <a:ea typeface="나눔바른고딕" panose="020B0603020101020101" pitchFamily="50" charset="-127"/>
+              </a:rPr>
+              <a:t>입력함수</a:t>
+            </a:r>
+            <a:endParaRPr lang="en-US" altLang="ko-KR" sz="2800" dirty="0">
+              <a:solidFill>
+                <a:schemeClr val="bg1">
+                  <a:lumMod val="95000"/>
+                </a:schemeClr>
+              </a:solidFill>
+              <a:latin typeface="나눔바른고딕" panose="020B0603020101020101" pitchFamily="50" charset="-127"/>
+              <a:ea typeface="나눔바른고딕" panose="020B0603020101020101" pitchFamily="50" charset="-127"/>
+            </a:endParaRPr>
+          </a:p>
+        </p:txBody>
+      </p:sp>
+      <p:sp>
+        <p:nvSpPr>
+          <p:cNvPr id="3" name="TextBox 2">
+            <a:extLst>
+              <a:ext uri="{FF2B5EF4-FFF2-40B4-BE49-F238E27FC236}">
+                <a16:creationId xmlns:a16="http://schemas.microsoft.com/office/drawing/2014/main" id="{D8FAB7C5-51A4-4238-B8BE-EEF35EE3B307}"/>
+              </a:ext>
+            </a:extLst>
+          </p:cNvPr>
+          <p:cNvSpPr txBox="1"/>
+          <p:nvPr/>
+        </p:nvSpPr>
+        <p:spPr>
+          <a:xfrm>
+            <a:off x="673738" y="2348880"/>
+            <a:ext cx="4846198" cy="461665"/>
+          </a:xfrm>
+          <a:prstGeom prst="rect">
+            <a:avLst/>
+          </a:prstGeom>
+          <a:noFill/>
+        </p:spPr>
+        <p:txBody>
+          <a:bodyPr wrap="none" rtlCol="0">
+            <a:spAutoFit/>
+          </a:bodyPr>
+          <a:lstStyle/>
+          <a:p>
+            <a:r>
+              <a:rPr lang="ko-KR" altLang="en-US" sz="2400" dirty="0">
+                <a:solidFill>
+                  <a:schemeClr val="bg1">
+                    <a:lumMod val="95000"/>
+                  </a:schemeClr>
+                </a:solidFill>
+                <a:latin typeface="나눔바른고딕" panose="020B0603020101020101" pitchFamily="50" charset="-127"/>
+                <a:ea typeface="나눔바른고딕" panose="020B0603020101020101" pitchFamily="50" charset="-127"/>
+              </a:rPr>
+              <a:t>사용자로부터 </a:t>
+            </a:r>
+            <a:r>
+              <a:rPr lang="ko-KR" altLang="en-US" sz="2400" dirty="0">
+                <a:solidFill>
+                  <a:schemeClr val="accent6">
+                    <a:lumMod val="75000"/>
+                  </a:schemeClr>
+                </a:solidFill>
+                <a:latin typeface="나눔바른고딕" panose="020B0603020101020101" pitchFamily="50" charset="-127"/>
+                <a:ea typeface="나눔바른고딕" panose="020B0603020101020101" pitchFamily="50" charset="-127"/>
+              </a:rPr>
+              <a:t>데이터를 입력 받는 함수</a:t>
+            </a:r>
+            <a:endParaRPr lang="en-US" altLang="ko-KR" sz="2400" dirty="0">
+              <a:solidFill>
+                <a:schemeClr val="accent6">
+                  <a:lumMod val="75000"/>
+                </a:schemeClr>
+              </a:solidFill>
+              <a:latin typeface="나눔바른고딕" panose="020B0603020101020101" pitchFamily="50" charset="-127"/>
+              <a:ea typeface="나눔바른고딕" panose="020B0603020101020101" pitchFamily="50" charset="-127"/>
+            </a:endParaRPr>
+          </a:p>
+        </p:txBody>
+      </p:sp>
+      <p:sp>
+        <p:nvSpPr>
+          <p:cNvPr id="4" name="TextBox 3">
+            <a:extLst>
+              <a:ext uri="{FF2B5EF4-FFF2-40B4-BE49-F238E27FC236}">
+                <a16:creationId xmlns:a16="http://schemas.microsoft.com/office/drawing/2014/main" id="{1E1971D0-AA87-4843-946F-5412C9E8DCF5}"/>
+              </a:ext>
+            </a:extLst>
+          </p:cNvPr>
+          <p:cNvSpPr txBox="1"/>
+          <p:nvPr/>
+        </p:nvSpPr>
+        <p:spPr>
+          <a:xfrm>
+            <a:off x="659530" y="3212976"/>
+            <a:ext cx="4846198" cy="1246495"/>
+          </a:xfrm>
+          <a:prstGeom prst="rect">
+            <a:avLst/>
+          </a:prstGeom>
+          <a:noFill/>
+        </p:spPr>
+        <p:txBody>
+          <a:bodyPr wrap="none" rtlCol="0">
+            <a:spAutoFit/>
+          </a:bodyPr>
+          <a:lstStyle/>
+          <a:p>
+            <a:pPr>
+              <a:lnSpc>
+                <a:spcPct val="150000"/>
+              </a:lnSpc>
+            </a:pPr>
+            <a:r>
+              <a:rPr lang="en-US" altLang="ko-KR" sz="2800" dirty="0">
+                <a:solidFill>
+                  <a:schemeClr val="bg1">
+                    <a:lumMod val="95000"/>
+                  </a:schemeClr>
+                </a:solidFill>
+                <a:latin typeface="나눔바른고딕" panose="020B0603020101020101" pitchFamily="50" charset="-127"/>
+                <a:ea typeface="나눔바른고딕" panose="020B0603020101020101" pitchFamily="50" charset="-127"/>
+              </a:rPr>
+              <a:t>2. </a:t>
+            </a:r>
+            <a:r>
+              <a:rPr lang="ko-KR" altLang="en-US" sz="2800" dirty="0" err="1">
+                <a:solidFill>
+                  <a:schemeClr val="bg1">
+                    <a:lumMod val="95000"/>
+                  </a:schemeClr>
+                </a:solidFill>
+                <a:latin typeface="나눔바른고딕" panose="020B0603020101020101" pitchFamily="50" charset="-127"/>
+                <a:ea typeface="나눔바른고딕" panose="020B0603020101020101" pitchFamily="50" charset="-127"/>
+              </a:rPr>
+              <a:t>에러메세지</a:t>
+            </a:r>
+            <a:r>
+              <a:rPr lang="ko-KR" altLang="en-US" sz="2800" dirty="0">
+                <a:solidFill>
+                  <a:schemeClr val="bg1">
+                    <a:lumMod val="95000"/>
+                  </a:schemeClr>
+                </a:solidFill>
+                <a:latin typeface="나눔바른고딕" panose="020B0603020101020101" pitchFamily="50" charset="-127"/>
+                <a:ea typeface="나눔바른고딕" panose="020B0603020101020101" pitchFamily="50" charset="-127"/>
+              </a:rPr>
+              <a:t> </a:t>
+            </a:r>
+            <a:r>
+              <a:rPr lang="en-US" altLang="ko-KR" sz="2800" dirty="0">
+                <a:solidFill>
+                  <a:schemeClr val="bg1">
+                    <a:lumMod val="95000"/>
+                  </a:schemeClr>
+                </a:solidFill>
+                <a:latin typeface="나눔바른고딕" panose="020B0603020101020101" pitchFamily="50" charset="-127"/>
+                <a:ea typeface="나눔바른고딕" panose="020B0603020101020101" pitchFamily="50" charset="-127"/>
+              </a:rPr>
+              <a:t>= </a:t>
+            </a:r>
+            <a:r>
+              <a:rPr lang="ko-KR" altLang="en-US" sz="2800" dirty="0">
+                <a:solidFill>
+                  <a:schemeClr val="accent1"/>
+                </a:solidFill>
+                <a:latin typeface="나눔바른고딕" panose="020B0603020101020101" pitchFamily="50" charset="-127"/>
+                <a:ea typeface="나눔바른고딕" panose="020B0603020101020101" pitchFamily="50" charset="-127"/>
+              </a:rPr>
+              <a:t>선생님</a:t>
+            </a:r>
+            <a:endParaRPr lang="en-US" altLang="ko-KR" sz="2800" dirty="0">
+              <a:solidFill>
+                <a:schemeClr val="accent1"/>
+              </a:solidFill>
+              <a:latin typeface="나눔바른고딕" panose="020B0603020101020101" pitchFamily="50" charset="-127"/>
+              <a:ea typeface="나눔바른고딕" panose="020B0603020101020101" pitchFamily="50" charset="-127"/>
+            </a:endParaRPr>
+          </a:p>
+          <a:p>
+            <a:pPr>
+              <a:lnSpc>
+                <a:spcPct val="150000"/>
+              </a:lnSpc>
+            </a:pPr>
+            <a:r>
+              <a:rPr lang="ko-KR" altLang="en-US" sz="2400" dirty="0">
+                <a:solidFill>
+                  <a:schemeClr val="bg1">
+                    <a:lumMod val="95000"/>
+                  </a:schemeClr>
+                </a:solidFill>
+                <a:latin typeface="나눔바른고딕" panose="020B0603020101020101" pitchFamily="50" charset="-127"/>
+                <a:ea typeface="나눔바른고딕" panose="020B0603020101020101" pitchFamily="50" charset="-127"/>
+              </a:rPr>
+              <a:t>어떤 부분이 </a:t>
+            </a:r>
+            <a:r>
+              <a:rPr lang="ko-KR" altLang="en-US" sz="2400" dirty="0" err="1">
+                <a:solidFill>
+                  <a:schemeClr val="bg1">
+                    <a:lumMod val="95000"/>
+                  </a:schemeClr>
+                </a:solidFill>
+                <a:latin typeface="나눔바른고딕" panose="020B0603020101020101" pitchFamily="50" charset="-127"/>
+                <a:ea typeface="나눔바른고딕" panose="020B0603020101020101" pitchFamily="50" charset="-127"/>
+              </a:rPr>
+              <a:t>잘못됬는지</a:t>
+            </a:r>
+            <a:r>
+              <a:rPr lang="ko-KR" altLang="en-US" sz="2400" dirty="0">
+                <a:solidFill>
+                  <a:schemeClr val="bg1">
+                    <a:lumMod val="95000"/>
+                  </a:schemeClr>
+                </a:solidFill>
+                <a:latin typeface="나눔바른고딕" panose="020B0603020101020101" pitchFamily="50" charset="-127"/>
+                <a:ea typeface="나눔바른고딕" panose="020B0603020101020101" pitchFamily="50" charset="-127"/>
+              </a:rPr>
+              <a:t> 알려주는 역할</a:t>
+            </a:r>
+            <a:endParaRPr lang="en-US" altLang="ko-KR" sz="2400" dirty="0">
+              <a:solidFill>
+                <a:schemeClr val="bg1">
+                  <a:lumMod val="95000"/>
+                </a:schemeClr>
+              </a:solidFill>
+              <a:latin typeface="나눔바른고딕" panose="020B0603020101020101" pitchFamily="50" charset="-127"/>
+              <a:ea typeface="나눔바른고딕" panose="020B0603020101020101" pitchFamily="50" charset="-127"/>
+            </a:endParaRPr>
+          </a:p>
+        </p:txBody>
+      </p:sp>
+      <p:sp>
+        <p:nvSpPr>
+          <p:cNvPr id="7" name="TextBox 6">
+            <a:extLst>
+              <a:ext uri="{FF2B5EF4-FFF2-40B4-BE49-F238E27FC236}">
+                <a16:creationId xmlns:a16="http://schemas.microsoft.com/office/drawing/2014/main" id="{8DD7A045-AD6F-48D2-9ADC-7D29A8E639BB}"/>
+              </a:ext>
+            </a:extLst>
+          </p:cNvPr>
+          <p:cNvSpPr txBox="1"/>
+          <p:nvPr/>
+        </p:nvSpPr>
+        <p:spPr>
+          <a:xfrm>
+            <a:off x="6744072" y="967149"/>
+            <a:ext cx="4573688" cy="2354491"/>
+          </a:xfrm>
+          <a:prstGeom prst="rect">
+            <a:avLst/>
+          </a:prstGeom>
+          <a:noFill/>
+        </p:spPr>
+        <p:txBody>
+          <a:bodyPr wrap="none" rtlCol="0">
+            <a:spAutoFit/>
+          </a:bodyPr>
+          <a:lstStyle/>
+          <a:p>
+            <a:pPr>
+              <a:lnSpc>
+                <a:spcPct val="150000"/>
+              </a:lnSpc>
+            </a:pPr>
+            <a:r>
+              <a:rPr lang="en-US" altLang="ko-KR" sz="2800" dirty="0">
+                <a:solidFill>
+                  <a:schemeClr val="bg1">
+                    <a:lumMod val="95000"/>
+                  </a:schemeClr>
+                </a:solidFill>
+                <a:latin typeface="나눔바른고딕" panose="020B0603020101020101" pitchFamily="50" charset="-127"/>
+                <a:ea typeface="나눔바른고딕" panose="020B0603020101020101" pitchFamily="50" charset="-127"/>
+              </a:rPr>
+              <a:t>3. </a:t>
+            </a:r>
+            <a:r>
+              <a:rPr lang="ko-KR" altLang="en-US" sz="2800" dirty="0" err="1">
+                <a:solidFill>
+                  <a:schemeClr val="bg1">
+                    <a:lumMod val="95000"/>
+                  </a:schemeClr>
+                </a:solidFill>
+                <a:latin typeface="나눔바른고딕" panose="020B0603020101020101" pitchFamily="50" charset="-127"/>
+                <a:ea typeface="나눔바른고딕" panose="020B0603020101020101" pitchFamily="50" charset="-127"/>
+              </a:rPr>
+              <a:t>자료형변환</a:t>
+            </a:r>
+            <a:endParaRPr lang="en-US" altLang="ko-KR" sz="2800" dirty="0">
+              <a:solidFill>
+                <a:schemeClr val="bg1">
+                  <a:lumMod val="95000"/>
+                </a:schemeClr>
+              </a:solidFill>
+              <a:latin typeface="나눔바른고딕" panose="020B0603020101020101" pitchFamily="50" charset="-127"/>
+              <a:ea typeface="나눔바른고딕" panose="020B0603020101020101" pitchFamily="50" charset="-127"/>
+            </a:endParaRPr>
+          </a:p>
+          <a:p>
+            <a:pPr>
+              <a:lnSpc>
+                <a:spcPct val="150000"/>
+              </a:lnSpc>
+            </a:pPr>
+            <a:r>
+              <a:rPr lang="ko-KR" altLang="en-US" sz="2400" dirty="0">
+                <a:solidFill>
+                  <a:schemeClr val="bg1">
+                    <a:lumMod val="95000"/>
+                  </a:schemeClr>
+                </a:solidFill>
+                <a:latin typeface="나눔바른고딕" panose="020B0603020101020101" pitchFamily="50" charset="-127"/>
+                <a:ea typeface="나눔바른고딕" panose="020B0603020101020101" pitchFamily="50" charset="-127"/>
+              </a:rPr>
+              <a:t>자료의 형태</a:t>
+            </a:r>
+            <a:r>
+              <a:rPr lang="en-US" altLang="ko-KR" sz="2400" dirty="0">
+                <a:solidFill>
+                  <a:schemeClr val="bg1">
+                    <a:lumMod val="95000"/>
+                  </a:schemeClr>
+                </a:solidFill>
+                <a:latin typeface="나눔바른고딕" panose="020B0603020101020101" pitchFamily="50" charset="-127"/>
+                <a:ea typeface="나눔바른고딕" panose="020B0603020101020101" pitchFamily="50" charset="-127"/>
+              </a:rPr>
+              <a:t>(</a:t>
+            </a:r>
+            <a:r>
+              <a:rPr lang="ko-KR" altLang="en-US" sz="2400" dirty="0">
+                <a:solidFill>
+                  <a:schemeClr val="bg1">
+                    <a:lumMod val="95000"/>
+                  </a:schemeClr>
+                </a:solidFill>
+                <a:latin typeface="나눔바른고딕" panose="020B0603020101020101" pitchFamily="50" charset="-127"/>
+                <a:ea typeface="나눔바른고딕" panose="020B0603020101020101" pitchFamily="50" charset="-127"/>
+              </a:rPr>
+              <a:t>종류</a:t>
+            </a:r>
+            <a:r>
+              <a:rPr lang="en-US" altLang="ko-KR" sz="2400" dirty="0">
+                <a:solidFill>
+                  <a:schemeClr val="bg1">
+                    <a:lumMod val="95000"/>
+                  </a:schemeClr>
+                </a:solidFill>
+                <a:latin typeface="나눔바른고딕" panose="020B0603020101020101" pitchFamily="50" charset="-127"/>
+                <a:ea typeface="나눔바른고딕" panose="020B0603020101020101" pitchFamily="50" charset="-127"/>
+              </a:rPr>
+              <a:t>)</a:t>
+            </a:r>
+            <a:r>
+              <a:rPr lang="ko-KR" altLang="en-US" sz="2400" dirty="0">
+                <a:solidFill>
+                  <a:schemeClr val="bg1">
+                    <a:lumMod val="95000"/>
+                  </a:schemeClr>
+                </a:solidFill>
+                <a:latin typeface="나눔바른고딕" panose="020B0603020101020101" pitchFamily="50" charset="-127"/>
+                <a:ea typeface="나눔바른고딕" panose="020B0603020101020101" pitchFamily="50" charset="-127"/>
+              </a:rPr>
+              <a:t>를 바꾸어 주는 것</a:t>
+            </a:r>
+            <a:endParaRPr lang="en-US" altLang="ko-KR" sz="2400" dirty="0">
+              <a:solidFill>
+                <a:schemeClr val="bg1">
+                  <a:lumMod val="95000"/>
+                </a:schemeClr>
+              </a:solidFill>
+              <a:latin typeface="나눔바른고딕" panose="020B0603020101020101" pitchFamily="50" charset="-127"/>
+              <a:ea typeface="나눔바른고딕" panose="020B0603020101020101" pitchFamily="50" charset="-127"/>
+            </a:endParaRPr>
+          </a:p>
+          <a:p>
+            <a:pPr marL="342900" indent="-342900">
+              <a:lnSpc>
+                <a:spcPct val="150000"/>
+              </a:lnSpc>
+              <a:buFontTx/>
+              <a:buChar char="-"/>
+            </a:pPr>
+            <a:r>
+              <a:rPr lang="ko-KR" altLang="en-US" sz="2400" dirty="0">
+                <a:solidFill>
+                  <a:schemeClr val="bg1">
+                    <a:lumMod val="95000"/>
+                  </a:schemeClr>
+                </a:solidFill>
+                <a:latin typeface="나눔바른고딕" panose="020B0603020101020101" pitchFamily="50" charset="-127"/>
+                <a:ea typeface="나눔바른고딕" panose="020B0603020101020101" pitchFamily="50" charset="-127"/>
+              </a:rPr>
+              <a:t>문자 </a:t>
+            </a:r>
+            <a:r>
+              <a:rPr lang="en-US" altLang="ko-KR" sz="2400" dirty="0">
+                <a:solidFill>
+                  <a:schemeClr val="bg1">
+                    <a:lumMod val="95000"/>
+                  </a:schemeClr>
+                </a:solidFill>
+                <a:latin typeface="나눔바른고딕" panose="020B0603020101020101" pitchFamily="50" charset="-127"/>
+                <a:ea typeface="나눔바른고딕" panose="020B0603020101020101" pitchFamily="50" charset="-127"/>
+              </a:rPr>
+              <a:t>-&gt; </a:t>
+            </a:r>
+            <a:r>
+              <a:rPr lang="ko-KR" altLang="en-US" sz="2400" dirty="0">
+                <a:solidFill>
+                  <a:schemeClr val="bg1">
+                    <a:lumMod val="95000"/>
+                  </a:schemeClr>
+                </a:solidFill>
+                <a:latin typeface="나눔바른고딕" panose="020B0603020101020101" pitchFamily="50" charset="-127"/>
+                <a:ea typeface="나눔바른고딕" panose="020B0603020101020101" pitchFamily="50" charset="-127"/>
+              </a:rPr>
+              <a:t>숫자 </a:t>
+            </a:r>
+            <a:r>
+              <a:rPr lang="en-US" altLang="ko-KR" sz="2400" dirty="0">
+                <a:solidFill>
+                  <a:schemeClr val="bg1">
+                    <a:lumMod val="95000"/>
+                  </a:schemeClr>
+                </a:solidFill>
+                <a:latin typeface="나눔바른고딕" panose="020B0603020101020101" pitchFamily="50" charset="-127"/>
+                <a:ea typeface="나눔바른고딕" panose="020B0603020101020101" pitchFamily="50" charset="-127"/>
+              </a:rPr>
+              <a:t>: </a:t>
+            </a:r>
+            <a:r>
+              <a:rPr lang="en-US" altLang="ko-KR" sz="2400" dirty="0">
+                <a:solidFill>
+                  <a:schemeClr val="accent6">
+                    <a:lumMod val="75000"/>
+                  </a:schemeClr>
+                </a:solidFill>
+                <a:latin typeface="나눔바른고딕" panose="020B0603020101020101" pitchFamily="50" charset="-127"/>
+                <a:ea typeface="나눔바른고딕" panose="020B0603020101020101" pitchFamily="50" charset="-127"/>
+              </a:rPr>
+              <a:t>int</a:t>
+            </a:r>
+            <a:r>
+              <a:rPr lang="ko-KR" altLang="en-US" sz="2400" dirty="0">
+                <a:solidFill>
+                  <a:schemeClr val="accent6">
+                    <a:lumMod val="75000"/>
+                  </a:schemeClr>
+                </a:solidFill>
+                <a:latin typeface="나눔바른고딕" panose="020B0603020101020101" pitchFamily="50" charset="-127"/>
+                <a:ea typeface="나눔바른고딕" panose="020B0603020101020101" pitchFamily="50" charset="-127"/>
+              </a:rPr>
+              <a:t>함수사용</a:t>
+            </a:r>
+            <a:endParaRPr lang="en-US" altLang="ko-KR" sz="2400" dirty="0">
+              <a:solidFill>
+                <a:schemeClr val="accent6">
+                  <a:lumMod val="75000"/>
+                </a:schemeClr>
+              </a:solidFill>
+              <a:latin typeface="나눔바른고딕" panose="020B0603020101020101" pitchFamily="50" charset="-127"/>
+              <a:ea typeface="나눔바른고딕" panose="020B0603020101020101" pitchFamily="50" charset="-127"/>
+            </a:endParaRPr>
+          </a:p>
+          <a:p>
+            <a:pPr marL="342900" indent="-342900">
+              <a:lnSpc>
+                <a:spcPct val="150000"/>
+              </a:lnSpc>
+              <a:buFontTx/>
+              <a:buChar char="-"/>
+            </a:pPr>
+            <a:r>
+              <a:rPr lang="ko-KR" altLang="en-US" sz="2400" dirty="0">
+                <a:solidFill>
+                  <a:schemeClr val="bg1">
+                    <a:lumMod val="95000"/>
+                  </a:schemeClr>
+                </a:solidFill>
+                <a:latin typeface="나눔바른고딕" panose="020B0603020101020101" pitchFamily="50" charset="-127"/>
+                <a:ea typeface="나눔바른고딕" panose="020B0603020101020101" pitchFamily="50" charset="-127"/>
+              </a:rPr>
+              <a:t>숫자 </a:t>
+            </a:r>
+            <a:r>
+              <a:rPr lang="en-US" altLang="ko-KR" sz="2400" dirty="0">
+                <a:solidFill>
+                  <a:schemeClr val="bg1">
+                    <a:lumMod val="95000"/>
+                  </a:schemeClr>
+                </a:solidFill>
+                <a:latin typeface="나눔바른고딕" panose="020B0603020101020101" pitchFamily="50" charset="-127"/>
+                <a:ea typeface="나눔바른고딕" panose="020B0603020101020101" pitchFamily="50" charset="-127"/>
+              </a:rPr>
+              <a:t>-&gt; </a:t>
+            </a:r>
+            <a:r>
+              <a:rPr lang="ko-KR" altLang="en-US" sz="2400" dirty="0">
+                <a:solidFill>
+                  <a:schemeClr val="bg1">
+                    <a:lumMod val="95000"/>
+                  </a:schemeClr>
+                </a:solidFill>
+                <a:latin typeface="나눔바른고딕" panose="020B0603020101020101" pitchFamily="50" charset="-127"/>
+                <a:ea typeface="나눔바른고딕" panose="020B0603020101020101" pitchFamily="50" charset="-127"/>
+              </a:rPr>
+              <a:t>문자 </a:t>
+            </a:r>
+            <a:r>
+              <a:rPr lang="en-US" altLang="ko-KR" sz="2400" dirty="0">
+                <a:solidFill>
+                  <a:schemeClr val="bg1">
+                    <a:lumMod val="95000"/>
+                  </a:schemeClr>
+                </a:solidFill>
+                <a:latin typeface="나눔바른고딕" panose="020B0603020101020101" pitchFamily="50" charset="-127"/>
+                <a:ea typeface="나눔바른고딕" panose="020B0603020101020101" pitchFamily="50" charset="-127"/>
+              </a:rPr>
+              <a:t>: </a:t>
+            </a:r>
+            <a:r>
+              <a:rPr lang="en-US" altLang="ko-KR" sz="2400" dirty="0">
+                <a:solidFill>
+                  <a:schemeClr val="accent1"/>
+                </a:solidFill>
+                <a:latin typeface="나눔바른고딕" panose="020B0603020101020101" pitchFamily="50" charset="-127"/>
+                <a:ea typeface="나눔바른고딕" panose="020B0603020101020101" pitchFamily="50" charset="-127"/>
+              </a:rPr>
+              <a:t>str</a:t>
+            </a:r>
+            <a:r>
+              <a:rPr lang="ko-KR" altLang="en-US" sz="2400" dirty="0">
+                <a:solidFill>
+                  <a:schemeClr val="accent1"/>
+                </a:solidFill>
+                <a:latin typeface="나눔바른고딕" panose="020B0603020101020101" pitchFamily="50" charset="-127"/>
+                <a:ea typeface="나눔바른고딕" panose="020B0603020101020101" pitchFamily="50" charset="-127"/>
+              </a:rPr>
+              <a:t>함수사용</a:t>
+            </a:r>
+            <a:endParaRPr lang="en-US" altLang="ko-KR" sz="2400" dirty="0">
+              <a:solidFill>
+                <a:schemeClr val="accent1"/>
+              </a:solidFill>
+              <a:latin typeface="나눔바른고딕" panose="020B0603020101020101" pitchFamily="50" charset="-127"/>
+              <a:ea typeface="나눔바른고딕" panose="020B0603020101020101" pitchFamily="50" charset="-127"/>
+            </a:endParaRPr>
+          </a:p>
+        </p:txBody>
+      </p:sp>
+    </p:spTree>
+    <p:extLst>
+      <p:ext uri="{BB962C8B-B14F-4D97-AF65-F5344CB8AC3E}">
+        <p14:creationId xmlns:p14="http://schemas.microsoft.com/office/powerpoint/2010/main" val="1005120074"/>
+      </p:ext>
+    </p:extLst>
+  </p:cSld>
+  <p:clrMapOvr>
+    <a:masterClrMapping/>
+  </p:clrMapOvr>
+</p:sld>
+</file>
+
+<file path=ppt/slides/slide15.xml><?xml version="1.0" encoding="utf-8"?>
 <p:sld xmlns:a="http://schemas.openxmlformats.org/drawingml/2006/main" xmlns:r="http://schemas.openxmlformats.org/officeDocument/2006/relationships" xmlns:p="http://schemas.openxmlformats.org/presentationml/2006/main">
   <p:cSld>
     <p:bg>
